--- a/flooding/writing/presentation.pptx
+++ b/flooding/writing/presentation.pptx
@@ -9,8 +9,12 @@
     <p:sldId id="257" r:id="rId3"/>
     <p:sldId id="260" r:id="rId4"/>
     <p:sldId id="261" r:id="rId5"/>
-    <p:sldId id="258" r:id="rId6"/>
+    <p:sldId id="262" r:id="rId6"/>
     <p:sldId id="259" r:id="rId7"/>
+    <p:sldId id="258" r:id="rId8"/>
+    <p:sldId id="263" r:id="rId9"/>
+    <p:sldId id="264" r:id="rId10"/>
+    <p:sldId id="265" r:id="rId11"/>
   </p:sldIdLst>
   <p:sldSz cx="12192000" cy="6858000"/>
   <p:notesSz cx="6858000" cy="9144000"/>
@@ -109,7 +113,1528 @@
       </a:defRPr>
     </a:lvl9pPr>
   </p:defaultTextStyle>
+  <p:extLst>
+    <p:ext uri="{EFAFB233-063F-42B5-8137-9DF3F51BA10A}">
+      <p15:sldGuideLst xmlns:p15="http://schemas.microsoft.com/office/powerpoint/2012/main"/>
+    </p:ext>
+  </p:extLst>
 </p:presentation>
+</file>
+
+<file path=ppt/revisionInfo.xml><?xml version="1.0" encoding="utf-8"?>
+<p1510:revInfo xmlns:a="http://schemas.openxmlformats.org/drawingml/2006/main" xmlns:r="http://schemas.openxmlformats.org/officeDocument/2006/relationships" xmlns:p1510="http://schemas.microsoft.com/office/powerpoint/2015/10/main">
+  <p1510:revLst>
+    <p1510:client id="{BF25096E-C2AB-4BD1-90F7-A5F0E4A2B3D9}" v="247" dt="2024-03-16T23:15:20.935"/>
+  </p1510:revLst>
+</p1510:revInfo>
+</file>
+
+<file path=ppt/changesInfos/changesInfo1.xml><?xml version="1.0" encoding="utf-8"?>
+<pc:chgInfo xmlns:a="http://schemas.openxmlformats.org/drawingml/2006/main" xmlns:r="http://schemas.openxmlformats.org/officeDocument/2006/relationships" xmlns:ac="http://schemas.microsoft.com/office/drawing/2013/main/command" xmlns:pc="http://schemas.microsoft.com/office/powerpoint/2013/main/command">
+  <pc:docChgLst>
+    <pc:chgData name="Dreher, Evan N." userId="141ccbb7-ea71-420f-a32d-4bf254fb59a2" providerId="ADAL" clId="{BF25096E-C2AB-4BD1-90F7-A5F0E4A2B3D9}"/>
+    <pc:docChg chg="undo custSel addSld modSld sldOrd">
+      <pc:chgData name="Dreher, Evan N." userId="141ccbb7-ea71-420f-a32d-4bf254fb59a2" providerId="ADAL" clId="{BF25096E-C2AB-4BD1-90F7-A5F0E4A2B3D9}" dt="2024-03-17T21:46:46.051" v="1202" actId="20577"/>
+      <pc:docMkLst>
+        <pc:docMk/>
+      </pc:docMkLst>
+      <pc:sldChg chg="modSp mod">
+        <pc:chgData name="Dreher, Evan N." userId="141ccbb7-ea71-420f-a32d-4bf254fb59a2" providerId="ADAL" clId="{BF25096E-C2AB-4BD1-90F7-A5F0E4A2B3D9}" dt="2024-03-15T22:30:36.352" v="484" actId="20577"/>
+        <pc:sldMkLst>
+          <pc:docMk/>
+          <pc:sldMk cId="146865581" sldId="256"/>
+        </pc:sldMkLst>
+        <pc:spChg chg="mod">
+          <ac:chgData name="Dreher, Evan N." userId="141ccbb7-ea71-420f-a32d-4bf254fb59a2" providerId="ADAL" clId="{BF25096E-C2AB-4BD1-90F7-A5F0E4A2B3D9}" dt="2024-03-15T22:30:29.375" v="456" actId="20577"/>
+          <ac:spMkLst>
+            <pc:docMk/>
+            <pc:sldMk cId="146865581" sldId="256"/>
+            <ac:spMk id="2" creationId="{A75748E4-4818-1267-BD58-E8A8C37CF4C3}"/>
+          </ac:spMkLst>
+        </pc:spChg>
+        <pc:spChg chg="mod">
+          <ac:chgData name="Dreher, Evan N." userId="141ccbb7-ea71-420f-a32d-4bf254fb59a2" providerId="ADAL" clId="{BF25096E-C2AB-4BD1-90F7-A5F0E4A2B3D9}" dt="2024-03-15T22:30:36.352" v="484" actId="20577"/>
+          <ac:spMkLst>
+            <pc:docMk/>
+            <pc:sldMk cId="146865581" sldId="256"/>
+            <ac:spMk id="3" creationId="{D26D7A96-FEEF-CB58-BEDF-E2C925D0CBFE}"/>
+          </ac:spMkLst>
+        </pc:spChg>
+      </pc:sldChg>
+      <pc:sldChg chg="modSp mod modAnim">
+        <pc:chgData name="Dreher, Evan N." userId="141ccbb7-ea71-420f-a32d-4bf254fb59a2" providerId="ADAL" clId="{BF25096E-C2AB-4BD1-90F7-A5F0E4A2B3D9}" dt="2024-03-15T18:26:58.918" v="270"/>
+        <pc:sldMkLst>
+          <pc:docMk/>
+          <pc:sldMk cId="1561134346" sldId="257"/>
+        </pc:sldMkLst>
+        <pc:spChg chg="mod">
+          <ac:chgData name="Dreher, Evan N." userId="141ccbb7-ea71-420f-a32d-4bf254fb59a2" providerId="ADAL" clId="{BF25096E-C2AB-4BD1-90F7-A5F0E4A2B3D9}" dt="2024-03-15T18:26:55.786" v="269" actId="20577"/>
+          <ac:spMkLst>
+            <pc:docMk/>
+            <pc:sldMk cId="1561134346" sldId="257"/>
+            <ac:spMk id="3" creationId="{DD338F10-EDAE-9350-9483-61A7E2B5B34D}"/>
+          </ac:spMkLst>
+        </pc:spChg>
+      </pc:sldChg>
+      <pc:sldChg chg="modSp mod ord">
+        <pc:chgData name="Dreher, Evan N." userId="141ccbb7-ea71-420f-a32d-4bf254fb59a2" providerId="ADAL" clId="{BF25096E-C2AB-4BD1-90F7-A5F0E4A2B3D9}" dt="2024-03-17T21:46:46.051" v="1202" actId="20577"/>
+        <pc:sldMkLst>
+          <pc:docMk/>
+          <pc:sldMk cId="2306586717" sldId="259"/>
+        </pc:sldMkLst>
+        <pc:spChg chg="mod">
+          <ac:chgData name="Dreher, Evan N." userId="141ccbb7-ea71-420f-a32d-4bf254fb59a2" providerId="ADAL" clId="{BF25096E-C2AB-4BD1-90F7-A5F0E4A2B3D9}" dt="2024-03-17T21:45:16.064" v="1197" actId="20577"/>
+          <ac:spMkLst>
+            <pc:docMk/>
+            <pc:sldMk cId="2306586717" sldId="259"/>
+            <ac:spMk id="2" creationId="{7D65D3F9-66DE-ABA8-A9A8-B1CB24001E3A}"/>
+          </ac:spMkLst>
+        </pc:spChg>
+        <pc:spChg chg="mod">
+          <ac:chgData name="Dreher, Evan N." userId="141ccbb7-ea71-420f-a32d-4bf254fb59a2" providerId="ADAL" clId="{BF25096E-C2AB-4BD1-90F7-A5F0E4A2B3D9}" dt="2024-03-17T21:46:46.051" v="1202" actId="20577"/>
+          <ac:spMkLst>
+            <pc:docMk/>
+            <pc:sldMk cId="2306586717" sldId="259"/>
+            <ac:spMk id="3" creationId="{A78FEC07-4223-A797-DAB8-188DD6C8EA01}"/>
+          </ac:spMkLst>
+        </pc:spChg>
+      </pc:sldChg>
+      <pc:sldChg chg="addSp delSp modSp mod">
+        <pc:chgData name="Dreher, Evan N." userId="141ccbb7-ea71-420f-a32d-4bf254fb59a2" providerId="ADAL" clId="{BF25096E-C2AB-4BD1-90F7-A5F0E4A2B3D9}" dt="2024-03-15T18:31:51.954" v="333" actId="20577"/>
+        <pc:sldMkLst>
+          <pc:docMk/>
+          <pc:sldMk cId="2817159096" sldId="260"/>
+        </pc:sldMkLst>
+        <pc:spChg chg="mod">
+          <ac:chgData name="Dreher, Evan N." userId="141ccbb7-ea71-420f-a32d-4bf254fb59a2" providerId="ADAL" clId="{BF25096E-C2AB-4BD1-90F7-A5F0E4A2B3D9}" dt="2024-03-15T18:31:51.954" v="333" actId="20577"/>
+          <ac:spMkLst>
+            <pc:docMk/>
+            <pc:sldMk cId="2817159096" sldId="260"/>
+            <ac:spMk id="3" creationId="{D2AA1E11-BB04-E5D4-60E8-DED35280ABF7}"/>
+          </ac:spMkLst>
+        </pc:spChg>
+        <pc:spChg chg="add del mod">
+          <ac:chgData name="Dreher, Evan N." userId="141ccbb7-ea71-420f-a32d-4bf254fb59a2" providerId="ADAL" clId="{BF25096E-C2AB-4BD1-90F7-A5F0E4A2B3D9}" dt="2024-03-15T18:31:43.846" v="325" actId="21"/>
+          <ac:spMkLst>
+            <pc:docMk/>
+            <pc:sldMk cId="2817159096" sldId="260"/>
+            <ac:spMk id="6" creationId="{FE22DDC4-0187-D122-4A1E-7D5EBB450522}"/>
+          </ac:spMkLst>
+        </pc:spChg>
+        <pc:picChg chg="add del mod modCrop">
+          <ac:chgData name="Dreher, Evan N." userId="141ccbb7-ea71-420f-a32d-4bf254fb59a2" providerId="ADAL" clId="{BF25096E-C2AB-4BD1-90F7-A5F0E4A2B3D9}" dt="2024-03-15T18:31:40.312" v="324" actId="478"/>
+          <ac:picMkLst>
+            <pc:docMk/>
+            <pc:sldMk cId="2817159096" sldId="260"/>
+            <ac:picMk id="5" creationId="{40A5DDF1-02B4-1F21-C862-A2F21CA043AB}"/>
+          </ac:picMkLst>
+        </pc:picChg>
+      </pc:sldChg>
+      <pc:sldChg chg="addSp delSp modSp mod">
+        <pc:chgData name="Dreher, Evan N." userId="141ccbb7-ea71-420f-a32d-4bf254fb59a2" providerId="ADAL" clId="{BF25096E-C2AB-4BD1-90F7-A5F0E4A2B3D9}" dt="2024-03-15T20:14:28.367" v="433" actId="21"/>
+        <pc:sldMkLst>
+          <pc:docMk/>
+          <pc:sldMk cId="1439749339" sldId="261"/>
+        </pc:sldMkLst>
+        <pc:spChg chg="mod">
+          <ac:chgData name="Dreher, Evan N." userId="141ccbb7-ea71-420f-a32d-4bf254fb59a2" providerId="ADAL" clId="{BF25096E-C2AB-4BD1-90F7-A5F0E4A2B3D9}" dt="2024-03-15T18:32:22.429" v="363" actId="20577"/>
+          <ac:spMkLst>
+            <pc:docMk/>
+            <pc:sldMk cId="1439749339" sldId="261"/>
+            <ac:spMk id="2" creationId="{BA79777C-8E1A-DD87-0E3D-30D767F497E5}"/>
+          </ac:spMkLst>
+        </pc:spChg>
+        <pc:spChg chg="mod">
+          <ac:chgData name="Dreher, Evan N." userId="141ccbb7-ea71-420f-a32d-4bf254fb59a2" providerId="ADAL" clId="{BF25096E-C2AB-4BD1-90F7-A5F0E4A2B3D9}" dt="2024-03-15T18:32:44.559" v="419" actId="20577"/>
+          <ac:spMkLst>
+            <pc:docMk/>
+            <pc:sldMk cId="1439749339" sldId="261"/>
+            <ac:spMk id="3" creationId="{AADD9B02-2E14-719E-D667-D2A7ACFB029C}"/>
+          </ac:spMkLst>
+        </pc:spChg>
+        <pc:picChg chg="add mod modCrop">
+          <ac:chgData name="Dreher, Evan N." userId="141ccbb7-ea71-420f-a32d-4bf254fb59a2" providerId="ADAL" clId="{BF25096E-C2AB-4BD1-90F7-A5F0E4A2B3D9}" dt="2024-03-15T20:12:37.534" v="430" actId="1076"/>
+          <ac:picMkLst>
+            <pc:docMk/>
+            <pc:sldMk cId="1439749339" sldId="261"/>
+            <ac:picMk id="5" creationId="{DE28F7DC-A17C-33FC-3DED-ED7AB00D4D5A}"/>
+          </ac:picMkLst>
+        </pc:picChg>
+        <pc:picChg chg="add del mod">
+          <ac:chgData name="Dreher, Evan N." userId="141ccbb7-ea71-420f-a32d-4bf254fb59a2" providerId="ADAL" clId="{BF25096E-C2AB-4BD1-90F7-A5F0E4A2B3D9}" dt="2024-03-15T20:14:28.367" v="433" actId="21"/>
+          <ac:picMkLst>
+            <pc:docMk/>
+            <pc:sldMk cId="1439749339" sldId="261"/>
+            <ac:picMk id="7" creationId="{0526500E-F390-7DB3-732A-8EC1324F2BCB}"/>
+          </ac:picMkLst>
+        </pc:picChg>
+      </pc:sldChg>
+      <pc:sldChg chg="addSp delSp modSp new mod delAnim modAnim">
+        <pc:chgData name="Dreher, Evan N." userId="141ccbb7-ea71-420f-a32d-4bf254fb59a2" providerId="ADAL" clId="{BF25096E-C2AB-4BD1-90F7-A5F0E4A2B3D9}" dt="2024-03-15T23:43:18.853" v="745" actId="20577"/>
+        <pc:sldMkLst>
+          <pc:docMk/>
+          <pc:sldMk cId="1318239970" sldId="262"/>
+        </pc:sldMkLst>
+        <pc:spChg chg="mod">
+          <ac:chgData name="Dreher, Evan N." userId="141ccbb7-ea71-420f-a32d-4bf254fb59a2" providerId="ADAL" clId="{BF25096E-C2AB-4BD1-90F7-A5F0E4A2B3D9}" dt="2024-03-15T23:41:43.607" v="737" actId="1076"/>
+          <ac:spMkLst>
+            <pc:docMk/>
+            <pc:sldMk cId="1318239970" sldId="262"/>
+            <ac:spMk id="2" creationId="{EC003F56-C238-B232-A582-D1D54C41E7AE}"/>
+          </ac:spMkLst>
+        </pc:spChg>
+        <pc:spChg chg="mod">
+          <ac:chgData name="Dreher, Evan N." userId="141ccbb7-ea71-420f-a32d-4bf254fb59a2" providerId="ADAL" clId="{BF25096E-C2AB-4BD1-90F7-A5F0E4A2B3D9}" dt="2024-03-15T23:43:18.853" v="745" actId="20577"/>
+          <ac:spMkLst>
+            <pc:docMk/>
+            <pc:sldMk cId="1318239970" sldId="262"/>
+            <ac:spMk id="3" creationId="{6D55A78D-DF1E-E9D9-86F4-8E0B49968B14}"/>
+          </ac:spMkLst>
+        </pc:spChg>
+        <pc:spChg chg="add del mod">
+          <ac:chgData name="Dreher, Evan N." userId="141ccbb7-ea71-420f-a32d-4bf254fb59a2" providerId="ADAL" clId="{BF25096E-C2AB-4BD1-90F7-A5F0E4A2B3D9}" dt="2024-03-15T23:22:16.545" v="514" actId="21"/>
+          <ac:spMkLst>
+            <pc:docMk/>
+            <pc:sldMk cId="1318239970" sldId="262"/>
+            <ac:spMk id="13" creationId="{A69B92B0-D940-1E27-51C6-513CA0AE053A}"/>
+          </ac:spMkLst>
+        </pc:spChg>
+        <pc:spChg chg="add del mod">
+          <ac:chgData name="Dreher, Evan N." userId="141ccbb7-ea71-420f-a32d-4bf254fb59a2" providerId="ADAL" clId="{BF25096E-C2AB-4BD1-90F7-A5F0E4A2B3D9}" dt="2024-03-15T23:24:07.564" v="535" actId="21"/>
+          <ac:spMkLst>
+            <pc:docMk/>
+            <pc:sldMk cId="1318239970" sldId="262"/>
+            <ac:spMk id="14" creationId="{03A1EC94-E8D9-3DD6-C202-A895C15B949C}"/>
+          </ac:spMkLst>
+        </pc:spChg>
+        <pc:spChg chg="add del">
+          <ac:chgData name="Dreher, Evan N." userId="141ccbb7-ea71-420f-a32d-4bf254fb59a2" providerId="ADAL" clId="{BF25096E-C2AB-4BD1-90F7-A5F0E4A2B3D9}" dt="2024-03-15T23:24:31.566" v="537" actId="11529"/>
+          <ac:spMkLst>
+            <pc:docMk/>
+            <pc:sldMk cId="1318239970" sldId="262"/>
+            <ac:spMk id="15" creationId="{51ADDE21-B8EA-3C38-7324-DDC051E6F4FB}"/>
+          </ac:spMkLst>
+        </pc:spChg>
+        <pc:spChg chg="add mod">
+          <ac:chgData name="Dreher, Evan N." userId="141ccbb7-ea71-420f-a32d-4bf254fb59a2" providerId="ADAL" clId="{BF25096E-C2AB-4BD1-90F7-A5F0E4A2B3D9}" dt="2024-03-15T23:41:57.380" v="738" actId="1076"/>
+          <ac:spMkLst>
+            <pc:docMk/>
+            <pc:sldMk cId="1318239970" sldId="262"/>
+            <ac:spMk id="16" creationId="{A9D8E339-5B02-6579-3408-4D0A90051B41}"/>
+          </ac:spMkLst>
+        </pc:spChg>
+        <pc:spChg chg="add del">
+          <ac:chgData name="Dreher, Evan N." userId="141ccbb7-ea71-420f-a32d-4bf254fb59a2" providerId="ADAL" clId="{BF25096E-C2AB-4BD1-90F7-A5F0E4A2B3D9}" dt="2024-03-15T23:25:34.927" v="543" actId="11529"/>
+          <ac:spMkLst>
+            <pc:docMk/>
+            <pc:sldMk cId="1318239970" sldId="262"/>
+            <ac:spMk id="17" creationId="{CBEDC990-04C6-7A19-54D0-CF7EE31208A5}"/>
+          </ac:spMkLst>
+        </pc:spChg>
+        <pc:spChg chg="add del">
+          <ac:chgData name="Dreher, Evan N." userId="141ccbb7-ea71-420f-a32d-4bf254fb59a2" providerId="ADAL" clId="{BF25096E-C2AB-4BD1-90F7-A5F0E4A2B3D9}" dt="2024-03-15T23:26:07.082" v="545" actId="11529"/>
+          <ac:spMkLst>
+            <pc:docMk/>
+            <pc:sldMk cId="1318239970" sldId="262"/>
+            <ac:spMk id="18" creationId="{2F824806-6122-39F3-40AD-99EE6F877E65}"/>
+          </ac:spMkLst>
+        </pc:spChg>
+        <pc:spChg chg="add mod">
+          <ac:chgData name="Dreher, Evan N." userId="141ccbb7-ea71-420f-a32d-4bf254fb59a2" providerId="ADAL" clId="{BF25096E-C2AB-4BD1-90F7-A5F0E4A2B3D9}" dt="2024-03-15T23:41:57.380" v="738" actId="1076"/>
+          <ac:spMkLst>
+            <pc:docMk/>
+            <pc:sldMk cId="1318239970" sldId="262"/>
+            <ac:spMk id="19" creationId="{09E3CC17-FBF3-11DC-FF67-4177CFCF026C}"/>
+          </ac:spMkLst>
+        </pc:spChg>
+        <pc:spChg chg="add mod">
+          <ac:chgData name="Dreher, Evan N." userId="141ccbb7-ea71-420f-a32d-4bf254fb59a2" providerId="ADAL" clId="{BF25096E-C2AB-4BD1-90F7-A5F0E4A2B3D9}" dt="2024-03-15T23:41:57.380" v="738" actId="1076"/>
+          <ac:spMkLst>
+            <pc:docMk/>
+            <pc:sldMk cId="1318239970" sldId="262"/>
+            <ac:spMk id="20" creationId="{D6EAEBC6-E492-B6DC-4DE0-6865C5C1882F}"/>
+          </ac:spMkLst>
+        </pc:spChg>
+        <pc:spChg chg="add mod">
+          <ac:chgData name="Dreher, Evan N." userId="141ccbb7-ea71-420f-a32d-4bf254fb59a2" providerId="ADAL" clId="{BF25096E-C2AB-4BD1-90F7-A5F0E4A2B3D9}" dt="2024-03-15T23:41:57.380" v="738" actId="1076"/>
+          <ac:spMkLst>
+            <pc:docMk/>
+            <pc:sldMk cId="1318239970" sldId="262"/>
+            <ac:spMk id="21" creationId="{77B12B77-B4B0-E445-BF6C-471EEC50153B}"/>
+          </ac:spMkLst>
+        </pc:spChg>
+        <pc:spChg chg="add mod">
+          <ac:chgData name="Dreher, Evan N." userId="141ccbb7-ea71-420f-a32d-4bf254fb59a2" providerId="ADAL" clId="{BF25096E-C2AB-4BD1-90F7-A5F0E4A2B3D9}" dt="2024-03-15T23:41:57.380" v="738" actId="1076"/>
+          <ac:spMkLst>
+            <pc:docMk/>
+            <pc:sldMk cId="1318239970" sldId="262"/>
+            <ac:spMk id="22" creationId="{050CCF24-6B84-FF37-88F5-F908D530B0E2}"/>
+          </ac:spMkLst>
+        </pc:spChg>
+        <pc:spChg chg="add mod">
+          <ac:chgData name="Dreher, Evan N." userId="141ccbb7-ea71-420f-a32d-4bf254fb59a2" providerId="ADAL" clId="{BF25096E-C2AB-4BD1-90F7-A5F0E4A2B3D9}" dt="2024-03-15T23:41:57.380" v="738" actId="1076"/>
+          <ac:spMkLst>
+            <pc:docMk/>
+            <pc:sldMk cId="1318239970" sldId="262"/>
+            <ac:spMk id="23" creationId="{BA76C705-02E3-A3CB-A30C-568A49D2109C}"/>
+          </ac:spMkLst>
+        </pc:spChg>
+        <pc:spChg chg="add mod">
+          <ac:chgData name="Dreher, Evan N." userId="141ccbb7-ea71-420f-a32d-4bf254fb59a2" providerId="ADAL" clId="{BF25096E-C2AB-4BD1-90F7-A5F0E4A2B3D9}" dt="2024-03-15T23:41:57.380" v="738" actId="1076"/>
+          <ac:spMkLst>
+            <pc:docMk/>
+            <pc:sldMk cId="1318239970" sldId="262"/>
+            <ac:spMk id="24" creationId="{44BC99A2-3871-418C-3959-87A845F883A2}"/>
+          </ac:spMkLst>
+        </pc:spChg>
+        <pc:spChg chg="add mod">
+          <ac:chgData name="Dreher, Evan N." userId="141ccbb7-ea71-420f-a32d-4bf254fb59a2" providerId="ADAL" clId="{BF25096E-C2AB-4BD1-90F7-A5F0E4A2B3D9}" dt="2024-03-15T23:41:57.380" v="738" actId="1076"/>
+          <ac:spMkLst>
+            <pc:docMk/>
+            <pc:sldMk cId="1318239970" sldId="262"/>
+            <ac:spMk id="25" creationId="{7A39994A-CFFF-6EDC-4CB1-BB8CD4A25C07}"/>
+          </ac:spMkLst>
+        </pc:spChg>
+        <pc:spChg chg="add mod">
+          <ac:chgData name="Dreher, Evan N." userId="141ccbb7-ea71-420f-a32d-4bf254fb59a2" providerId="ADAL" clId="{BF25096E-C2AB-4BD1-90F7-A5F0E4A2B3D9}" dt="2024-03-15T23:42:05.817" v="739" actId="1076"/>
+          <ac:spMkLst>
+            <pc:docMk/>
+            <pc:sldMk cId="1318239970" sldId="262"/>
+            <ac:spMk id="26" creationId="{2C5367EB-1387-3052-290F-6EBF9B83C724}"/>
+          </ac:spMkLst>
+        </pc:spChg>
+        <pc:picChg chg="add del mod">
+          <ac:chgData name="Dreher, Evan N." userId="141ccbb7-ea71-420f-a32d-4bf254fb59a2" providerId="ADAL" clId="{BF25096E-C2AB-4BD1-90F7-A5F0E4A2B3D9}" dt="2024-03-15T20:18:08.743" v="440" actId="21"/>
+          <ac:picMkLst>
+            <pc:docMk/>
+            <pc:sldMk cId="1318239970" sldId="262"/>
+            <ac:picMk id="5" creationId="{A1FBC3EB-6B8E-EDA5-24E7-602885E3597E}"/>
+          </ac:picMkLst>
+        </pc:picChg>
+        <pc:picChg chg="add mod modCrop">
+          <ac:chgData name="Dreher, Evan N." userId="141ccbb7-ea71-420f-a32d-4bf254fb59a2" providerId="ADAL" clId="{BF25096E-C2AB-4BD1-90F7-A5F0E4A2B3D9}" dt="2024-03-15T23:41:57.380" v="738" actId="1076"/>
+          <ac:picMkLst>
+            <pc:docMk/>
+            <pc:sldMk cId="1318239970" sldId="262"/>
+            <ac:picMk id="7" creationId="{0AE6D05F-7A43-9850-9E4E-F1ACDD2FD58D}"/>
+          </ac:picMkLst>
+        </pc:picChg>
+        <pc:inkChg chg="add del">
+          <ac:chgData name="Dreher, Evan N." userId="141ccbb7-ea71-420f-a32d-4bf254fb59a2" providerId="ADAL" clId="{BF25096E-C2AB-4BD1-90F7-A5F0E4A2B3D9}" dt="2024-03-15T23:20:30.841" v="505" actId="9405"/>
+          <ac:inkMkLst>
+            <pc:docMk/>
+            <pc:sldMk cId="1318239970" sldId="262"/>
+            <ac:inkMk id="8" creationId="{B5760592-C5EB-DB9F-3B55-698538904600}"/>
+          </ac:inkMkLst>
+        </pc:inkChg>
+        <pc:inkChg chg="add del">
+          <ac:chgData name="Dreher, Evan N." userId="141ccbb7-ea71-420f-a32d-4bf254fb59a2" providerId="ADAL" clId="{BF25096E-C2AB-4BD1-90F7-A5F0E4A2B3D9}" dt="2024-03-15T23:20:30.386" v="504" actId="9405"/>
+          <ac:inkMkLst>
+            <pc:docMk/>
+            <pc:sldMk cId="1318239970" sldId="262"/>
+            <ac:inkMk id="9" creationId="{1C9649AE-A5E1-F5B1-DB1D-82D3AE33AA20}"/>
+          </ac:inkMkLst>
+        </pc:inkChg>
+        <pc:inkChg chg="add del">
+          <ac:chgData name="Dreher, Evan N." userId="141ccbb7-ea71-420f-a32d-4bf254fb59a2" providerId="ADAL" clId="{BF25096E-C2AB-4BD1-90F7-A5F0E4A2B3D9}" dt="2024-03-15T23:20:29.790" v="503" actId="9405"/>
+          <ac:inkMkLst>
+            <pc:docMk/>
+            <pc:sldMk cId="1318239970" sldId="262"/>
+            <ac:inkMk id="10" creationId="{EB9ED6F9-D229-7472-ECE6-A982D74D1C81}"/>
+          </ac:inkMkLst>
+        </pc:inkChg>
+        <pc:inkChg chg="add del">
+          <ac:chgData name="Dreher, Evan N." userId="141ccbb7-ea71-420f-a32d-4bf254fb59a2" providerId="ADAL" clId="{BF25096E-C2AB-4BD1-90F7-A5F0E4A2B3D9}" dt="2024-03-15T23:20:29.589" v="502" actId="9405"/>
+          <ac:inkMkLst>
+            <pc:docMk/>
+            <pc:sldMk cId="1318239970" sldId="262"/>
+            <ac:inkMk id="11" creationId="{4A4F8DCA-57C1-29DB-4689-AD8620BA3035}"/>
+          </ac:inkMkLst>
+        </pc:inkChg>
+        <pc:inkChg chg="add del">
+          <ac:chgData name="Dreher, Evan N." userId="141ccbb7-ea71-420f-a32d-4bf254fb59a2" providerId="ADAL" clId="{BF25096E-C2AB-4BD1-90F7-A5F0E4A2B3D9}" dt="2024-03-15T23:20:45.170" v="507" actId="9405"/>
+          <ac:inkMkLst>
+            <pc:docMk/>
+            <pc:sldMk cId="1318239970" sldId="262"/>
+            <ac:inkMk id="12" creationId="{1FDE1216-0F0A-0CA4-014C-722FE321B7C6}"/>
+          </ac:inkMkLst>
+        </pc:inkChg>
+      </pc:sldChg>
+      <pc:sldChg chg="modSp new mod">
+        <pc:chgData name="Dreher, Evan N." userId="141ccbb7-ea71-420f-a32d-4bf254fb59a2" providerId="ADAL" clId="{BF25096E-C2AB-4BD1-90F7-A5F0E4A2B3D9}" dt="2024-03-16T17:38:48.848" v="799" actId="20577"/>
+        <pc:sldMkLst>
+          <pc:docMk/>
+          <pc:sldMk cId="4134653307" sldId="263"/>
+        </pc:sldMkLst>
+        <pc:spChg chg="mod">
+          <ac:chgData name="Dreher, Evan N." userId="141ccbb7-ea71-420f-a32d-4bf254fb59a2" providerId="ADAL" clId="{BF25096E-C2AB-4BD1-90F7-A5F0E4A2B3D9}" dt="2024-03-16T17:38:48.848" v="799" actId="20577"/>
+          <ac:spMkLst>
+            <pc:docMk/>
+            <pc:sldMk cId="4134653307" sldId="263"/>
+            <ac:spMk id="2" creationId="{33A45011-7885-195C-E445-0CA1B3818BF8}"/>
+          </ac:spMkLst>
+        </pc:spChg>
+      </pc:sldChg>
+      <pc:sldChg chg="modSp new mod modAnim">
+        <pc:chgData name="Dreher, Evan N." userId="141ccbb7-ea71-420f-a32d-4bf254fb59a2" providerId="ADAL" clId="{BF25096E-C2AB-4BD1-90F7-A5F0E4A2B3D9}" dt="2024-03-16T17:40:33.124" v="963" actId="27636"/>
+        <pc:sldMkLst>
+          <pc:docMk/>
+          <pc:sldMk cId="2769655449" sldId="264"/>
+        </pc:sldMkLst>
+        <pc:spChg chg="mod">
+          <ac:chgData name="Dreher, Evan N." userId="141ccbb7-ea71-420f-a32d-4bf254fb59a2" providerId="ADAL" clId="{BF25096E-C2AB-4BD1-90F7-A5F0E4A2B3D9}" dt="2024-03-16T00:13:05.442" v="797" actId="20577"/>
+          <ac:spMkLst>
+            <pc:docMk/>
+            <pc:sldMk cId="2769655449" sldId="264"/>
+            <ac:spMk id="2" creationId="{46E4D2D2-22EE-3BE2-68C6-9F7983DC9A44}"/>
+          </ac:spMkLst>
+        </pc:spChg>
+        <pc:spChg chg="mod">
+          <ac:chgData name="Dreher, Evan N." userId="141ccbb7-ea71-420f-a32d-4bf254fb59a2" providerId="ADAL" clId="{BF25096E-C2AB-4BD1-90F7-A5F0E4A2B3D9}" dt="2024-03-16T17:40:33.124" v="963" actId="27636"/>
+          <ac:spMkLst>
+            <pc:docMk/>
+            <pc:sldMk cId="2769655449" sldId="264"/>
+            <ac:spMk id="3" creationId="{4A4A5DB5-42AF-0635-842F-BE8E6D73B53A}"/>
+          </ac:spMkLst>
+        </pc:spChg>
+      </pc:sldChg>
+      <pc:sldChg chg="addSp delSp modSp new mod setBg">
+        <pc:chgData name="Dreher, Evan N." userId="141ccbb7-ea71-420f-a32d-4bf254fb59a2" providerId="ADAL" clId="{BF25096E-C2AB-4BD1-90F7-A5F0E4A2B3D9}" dt="2024-03-16T23:15:36.897" v="1102" actId="14100"/>
+        <pc:sldMkLst>
+          <pc:docMk/>
+          <pc:sldMk cId="2247643946" sldId="265"/>
+        </pc:sldMkLst>
+        <pc:spChg chg="mod">
+          <ac:chgData name="Dreher, Evan N." userId="141ccbb7-ea71-420f-a32d-4bf254fb59a2" providerId="ADAL" clId="{BF25096E-C2AB-4BD1-90F7-A5F0E4A2B3D9}" dt="2024-03-16T23:13:58.557" v="1092" actId="26606"/>
+          <ac:spMkLst>
+            <pc:docMk/>
+            <pc:sldMk cId="2247643946" sldId="265"/>
+            <ac:spMk id="2" creationId="{B3C40B8D-7ED9-1B73-3DFB-341733214AD2}"/>
+          </ac:spMkLst>
+        </pc:spChg>
+        <pc:spChg chg="del">
+          <ac:chgData name="Dreher, Evan N." userId="141ccbb7-ea71-420f-a32d-4bf254fb59a2" providerId="ADAL" clId="{BF25096E-C2AB-4BD1-90F7-A5F0E4A2B3D9}" dt="2024-03-16T19:36:01.314" v="1076" actId="1957"/>
+          <ac:spMkLst>
+            <pc:docMk/>
+            <pc:sldMk cId="2247643946" sldId="265"/>
+            <ac:spMk id="3" creationId="{24856366-4734-3407-BC6B-B505A9A4D8DF}"/>
+          </ac:spMkLst>
+        </pc:spChg>
+        <pc:spChg chg="add del">
+          <ac:chgData name="Dreher, Evan N." userId="141ccbb7-ea71-420f-a32d-4bf254fb59a2" providerId="ADAL" clId="{BF25096E-C2AB-4BD1-90F7-A5F0E4A2B3D9}" dt="2024-03-16T23:13:58.557" v="1092" actId="26606"/>
+          <ac:spMkLst>
+            <pc:docMk/>
+            <pc:sldMk cId="2247643946" sldId="265"/>
+            <ac:spMk id="5" creationId="{53B021B3-DE93-4AB7-8A18-CF5F1CED88B8}"/>
+          </ac:spMkLst>
+        </pc:spChg>
+        <pc:spChg chg="add mod">
+          <ac:chgData name="Dreher, Evan N." userId="141ccbb7-ea71-420f-a32d-4bf254fb59a2" providerId="ADAL" clId="{BF25096E-C2AB-4BD1-90F7-A5F0E4A2B3D9}" dt="2024-03-16T23:15:30.286" v="1099" actId="14100"/>
+          <ac:spMkLst>
+            <pc:docMk/>
+            <pc:sldMk cId="2247643946" sldId="265"/>
+            <ac:spMk id="6" creationId="{4C3B54F1-D811-9688-6801-2343EE93B794}"/>
+          </ac:spMkLst>
+        </pc:spChg>
+        <pc:spChg chg="add del mod">
+          <ac:chgData name="Dreher, Evan N." userId="141ccbb7-ea71-420f-a32d-4bf254fb59a2" providerId="ADAL" clId="{BF25096E-C2AB-4BD1-90F7-A5F0E4A2B3D9}" dt="2024-03-16T19:38:20.241" v="1078"/>
+          <ac:spMkLst>
+            <pc:docMk/>
+            <pc:sldMk cId="2247643946" sldId="265"/>
+            <ac:spMk id="8" creationId="{A775E894-ADDC-D467-C063-DA05109A5C1F}"/>
+          </ac:spMkLst>
+        </pc:spChg>
+        <pc:spChg chg="add del">
+          <ac:chgData name="Dreher, Evan N." userId="141ccbb7-ea71-420f-a32d-4bf254fb59a2" providerId="ADAL" clId="{BF25096E-C2AB-4BD1-90F7-A5F0E4A2B3D9}" dt="2024-03-16T23:13:58.557" v="1092" actId="26606"/>
+          <ac:spMkLst>
+            <pc:docMk/>
+            <pc:sldMk cId="2247643946" sldId="265"/>
+            <ac:spMk id="10" creationId="{52D502E5-F6B4-4D58-B4AE-FC466FF15EE8}"/>
+          </ac:spMkLst>
+        </pc:spChg>
+        <pc:spChg chg="add del mod">
+          <ac:chgData name="Dreher, Evan N." userId="141ccbb7-ea71-420f-a32d-4bf254fb59a2" providerId="ADAL" clId="{BF25096E-C2AB-4BD1-90F7-A5F0E4A2B3D9}" dt="2024-03-16T23:13:30.913" v="1084"/>
+          <ac:spMkLst>
+            <pc:docMk/>
+            <pc:sldMk cId="2247643946" sldId="265"/>
+            <ac:spMk id="11" creationId="{3789C2B0-015B-97BC-A926-2DEA3C6BDC52}"/>
+          </ac:spMkLst>
+        </pc:spChg>
+        <pc:spChg chg="add del">
+          <ac:chgData name="Dreher, Evan N." userId="141ccbb7-ea71-420f-a32d-4bf254fb59a2" providerId="ADAL" clId="{BF25096E-C2AB-4BD1-90F7-A5F0E4A2B3D9}" dt="2024-03-16T23:13:58.557" v="1092" actId="26606"/>
+          <ac:spMkLst>
+            <pc:docMk/>
+            <pc:sldMk cId="2247643946" sldId="265"/>
+            <ac:spMk id="12" creationId="{9DECDBF4-02B6-4BB4-B65B-B8107AD6A9E8}"/>
+          </ac:spMkLst>
+        </pc:spChg>
+        <pc:graphicFrameChg chg="add del mod">
+          <ac:chgData name="Dreher, Evan N." userId="141ccbb7-ea71-420f-a32d-4bf254fb59a2" providerId="ADAL" clId="{BF25096E-C2AB-4BD1-90F7-A5F0E4A2B3D9}" dt="2024-03-16T23:15:19.445" v="1096" actId="21"/>
+          <ac:graphicFrameMkLst>
+            <pc:docMk/>
+            <pc:sldMk cId="2247643946" sldId="265"/>
+            <ac:graphicFrameMk id="3" creationId="{0F40CE6D-CFA5-E164-682F-14CFA9F9C9EF}"/>
+          </ac:graphicFrameMkLst>
+        </pc:graphicFrameChg>
+        <pc:graphicFrameChg chg="add del mod">
+          <ac:chgData name="Dreher, Evan N." userId="141ccbb7-ea71-420f-a32d-4bf254fb59a2" providerId="ADAL" clId="{BF25096E-C2AB-4BD1-90F7-A5F0E4A2B3D9}" dt="2024-03-16T19:36:37.970" v="1077" actId="21"/>
+          <ac:graphicFrameMkLst>
+            <pc:docMk/>
+            <pc:sldMk cId="2247643946" sldId="265"/>
+            <ac:graphicFrameMk id="6" creationId="{1D47DFCE-C74D-FFE5-5B0D-41BA129930F3}"/>
+          </ac:graphicFrameMkLst>
+        </pc:graphicFrameChg>
+        <pc:graphicFrameChg chg="add mod">
+          <ac:chgData name="Dreher, Evan N." userId="141ccbb7-ea71-420f-a32d-4bf254fb59a2" providerId="ADAL" clId="{BF25096E-C2AB-4BD1-90F7-A5F0E4A2B3D9}" dt="2024-03-16T23:15:36.897" v="1102" actId="14100"/>
+          <ac:graphicFrameMkLst>
+            <pc:docMk/>
+            <pc:sldMk cId="2247643946" sldId="265"/>
+            <ac:graphicFrameMk id="7" creationId="{0F40CE6D-CFA5-E164-682F-14CFA9F9C9EF}"/>
+          </ac:graphicFrameMkLst>
+        </pc:graphicFrameChg>
+        <pc:graphicFrameChg chg="add del mod">
+          <ac:chgData name="Dreher, Evan N." userId="141ccbb7-ea71-420f-a32d-4bf254fb59a2" providerId="ADAL" clId="{BF25096E-C2AB-4BD1-90F7-A5F0E4A2B3D9}" dt="2024-03-16T19:38:53.491" v="1082" actId="21"/>
+          <ac:graphicFrameMkLst>
+            <pc:docMk/>
+            <pc:sldMk cId="2247643946" sldId="265"/>
+            <ac:graphicFrameMk id="9" creationId="{99514C30-A9F5-B9F4-610E-EED33F1A3F2E}"/>
+          </ac:graphicFrameMkLst>
+        </pc:graphicFrameChg>
+      </pc:sldChg>
+    </pc:docChg>
+  </pc:docChgLst>
+</pc:chgInfo>
+</file>
+
+<file path=ppt/charts/chart1.xml><?xml version="1.0" encoding="utf-8"?>
+<c:chartSpace xmlns:c="http://schemas.openxmlformats.org/drawingml/2006/chart" xmlns:a="http://schemas.openxmlformats.org/drawingml/2006/main" xmlns:r="http://schemas.openxmlformats.org/officeDocument/2006/relationships" xmlns:c16r2="http://schemas.microsoft.com/office/drawing/2015/06/chart">
+  <c:date1904 val="0"/>
+  <c:lang val="en-US"/>
+  <c:roundedCorners val="0"/>
+  <mc:AlternateContent xmlns:mc="http://schemas.openxmlformats.org/markup-compatibility/2006">
+    <mc:Choice xmlns:c14="http://schemas.microsoft.com/office/drawing/2007/8/2/chart" Requires="c14">
+      <c14:style val="102"/>
+    </mc:Choice>
+    <mc:Fallback>
+      <c:style val="2"/>
+    </mc:Fallback>
+  </mc:AlternateContent>
+  <c:chart>
+    <c:title>
+      <c:tx>
+        <c:rich>
+          <a:bodyPr rot="0" spcFirstLastPara="1" vertOverflow="ellipsis" vert="horz" wrap="square" anchor="ctr" anchorCtr="1"/>
+          <a:lstStyle/>
+          <a:p>
+            <a:pPr>
+              <a:defRPr sz="1400" b="0" i="0" u="none" strike="noStrike" kern="1200" spc="0" baseline="0">
+                <a:solidFill>
+                  <a:schemeClr val="tx1">
+                    <a:lumMod val="65000"/>
+                    <a:lumOff val="35000"/>
+                  </a:schemeClr>
+                </a:solidFill>
+                <a:latin typeface="+mn-lt"/>
+                <a:ea typeface="+mn-ea"/>
+                <a:cs typeface="+mn-cs"/>
+              </a:defRPr>
+            </a:pPr>
+            <a:r>
+              <a:rPr lang="en-US"/>
+              <a:t>Heuristic Performance</a:t>
+            </a:r>
+          </a:p>
+        </c:rich>
+      </c:tx>
+      <c:overlay val="0"/>
+      <c:spPr>
+        <a:noFill/>
+        <a:ln>
+          <a:noFill/>
+        </a:ln>
+        <a:effectLst/>
+      </c:spPr>
+      <c:txPr>
+        <a:bodyPr rot="0" spcFirstLastPara="1" vertOverflow="ellipsis" vert="horz" wrap="square" anchor="ctr" anchorCtr="1"/>
+        <a:lstStyle/>
+        <a:p>
+          <a:pPr>
+            <a:defRPr sz="1400" b="0" i="0" u="none" strike="noStrike" kern="1200" spc="0" baseline="0">
+              <a:solidFill>
+                <a:schemeClr val="tx1">
+                  <a:lumMod val="65000"/>
+                  <a:lumOff val="35000"/>
+                </a:schemeClr>
+              </a:solidFill>
+              <a:latin typeface="+mn-lt"/>
+              <a:ea typeface="+mn-ea"/>
+              <a:cs typeface="+mn-cs"/>
+            </a:defRPr>
+          </a:pPr>
+          <a:endParaRPr lang="en-US"/>
+        </a:p>
+      </c:txPr>
+    </c:title>
+    <c:autoTitleDeleted val="0"/>
+    <c:plotArea>
+      <c:layout/>
+      <c:barChart>
+        <c:barDir val="col"/>
+        <c:grouping val="clustered"/>
+        <c:varyColors val="0"/>
+        <c:ser>
+          <c:idx val="0"/>
+          <c:order val="0"/>
+          <c:tx>
+            <c:strRef>
+              <c:f>comp1!$A$2</c:f>
+              <c:strCache>
+                <c:ptCount val="1"/>
+                <c:pt idx="0">
+                  <c:v>H2</c:v>
+                </c:pt>
+              </c:strCache>
+            </c:strRef>
+          </c:tx>
+          <c:spPr>
+            <a:solidFill>
+              <a:schemeClr val="accent1"/>
+            </a:solidFill>
+            <a:ln>
+              <a:noFill/>
+            </a:ln>
+            <a:effectLst/>
+          </c:spPr>
+          <c:invertIfNegative val="0"/>
+          <c:val>
+            <c:numRef>
+              <c:f>comp1!$A$3:$A$27</c:f>
+              <c:numCache>
+                <c:formatCode>General</c:formatCode>
+                <c:ptCount val="25"/>
+                <c:pt idx="0">
+                  <c:v>3.4</c:v>
+                </c:pt>
+                <c:pt idx="1">
+                  <c:v>6.2</c:v>
+                </c:pt>
+                <c:pt idx="2">
+                  <c:v>14.8</c:v>
+                </c:pt>
+                <c:pt idx="3">
+                  <c:v>5.4</c:v>
+                </c:pt>
+                <c:pt idx="4">
+                  <c:v>30</c:v>
+                </c:pt>
+                <c:pt idx="5">
+                  <c:v>47.6</c:v>
+                </c:pt>
+                <c:pt idx="6">
+                  <c:v>331.2</c:v>
+                </c:pt>
+                <c:pt idx="7">
+                  <c:v>2203</c:v>
+                </c:pt>
+                <c:pt idx="8">
+                  <c:v>3809.2</c:v>
+                </c:pt>
+                <c:pt idx="9">
+                  <c:v>21878.5</c:v>
+                </c:pt>
+                <c:pt idx="10">
+                  <c:v>657</c:v>
+                </c:pt>
+                <c:pt idx="11">
+                  <c:v>4302.6000000000004</c:v>
+                </c:pt>
+                <c:pt idx="15">
+                  <c:v>4039.2</c:v>
+                </c:pt>
+                <c:pt idx="20">
+                  <c:v>3089</c:v>
+                </c:pt>
+              </c:numCache>
+            </c:numRef>
+          </c:val>
+          <c:extLst>
+            <c:ext xmlns:c16="http://schemas.microsoft.com/office/drawing/2014/chart" uri="{C3380CC4-5D6E-409C-BE32-E72D297353CC}">
+              <c16:uniqueId val="{00000000-A2BB-489A-B854-3D18E4689F43}"/>
+            </c:ext>
+          </c:extLst>
+        </c:ser>
+        <c:ser>
+          <c:idx val="1"/>
+          <c:order val="1"/>
+          <c:tx>
+            <c:strRef>
+              <c:f>comp1!$B$2</c:f>
+              <c:strCache>
+                <c:ptCount val="1"/>
+                <c:pt idx="0">
+                  <c:v>H1</c:v>
+                </c:pt>
+              </c:strCache>
+            </c:strRef>
+          </c:tx>
+          <c:spPr>
+            <a:solidFill>
+              <a:schemeClr val="accent2"/>
+            </a:solidFill>
+            <a:ln>
+              <a:noFill/>
+            </a:ln>
+            <a:effectLst/>
+          </c:spPr>
+          <c:invertIfNegative val="0"/>
+          <c:val>
+            <c:numRef>
+              <c:f>comp1!$B$3:$B$27</c:f>
+              <c:numCache>
+                <c:formatCode>General</c:formatCode>
+                <c:ptCount val="25"/>
+                <c:pt idx="0">
+                  <c:v>6.4</c:v>
+                </c:pt>
+                <c:pt idx="1">
+                  <c:v>22.2</c:v>
+                </c:pt>
+                <c:pt idx="2">
+                  <c:v>197.2</c:v>
+                </c:pt>
+                <c:pt idx="3">
+                  <c:v>90.6</c:v>
+                </c:pt>
+                <c:pt idx="4">
+                  <c:v>1282.8</c:v>
+                </c:pt>
+                <c:pt idx="5">
+                  <c:v>292.8</c:v>
+                </c:pt>
+                <c:pt idx="6">
+                  <c:v>15665.4</c:v>
+                </c:pt>
+                <c:pt idx="10">
+                  <c:v>23662.2</c:v>
+                </c:pt>
+              </c:numCache>
+            </c:numRef>
+          </c:val>
+          <c:extLst>
+            <c:ext xmlns:c16="http://schemas.microsoft.com/office/drawing/2014/chart" uri="{C3380CC4-5D6E-409C-BE32-E72D297353CC}">
+              <c16:uniqueId val="{00000001-A2BB-489A-B854-3D18E4689F43}"/>
+            </c:ext>
+          </c:extLst>
+        </c:ser>
+        <c:dLbls>
+          <c:showLegendKey val="0"/>
+          <c:showVal val="0"/>
+          <c:showCatName val="0"/>
+          <c:showSerName val="0"/>
+          <c:showPercent val="0"/>
+          <c:showBubbleSize val="0"/>
+        </c:dLbls>
+        <c:gapWidth val="219"/>
+        <c:overlap val="-27"/>
+        <c:axId val="1617361008"/>
+        <c:axId val="1617361488"/>
+      </c:barChart>
+      <c:catAx>
+        <c:axId val="1617361008"/>
+        <c:scaling>
+          <c:orientation val="minMax"/>
+        </c:scaling>
+        <c:delete val="1"/>
+        <c:axPos val="b"/>
+        <c:title>
+          <c:tx>
+            <c:rich>
+              <a:bodyPr rot="0" spcFirstLastPara="1" vertOverflow="ellipsis" vert="horz" wrap="square" anchor="ctr" anchorCtr="1"/>
+              <a:lstStyle/>
+              <a:p>
+                <a:pPr>
+                  <a:defRPr sz="1000" b="0" i="0" u="none" strike="noStrike" kern="1200" baseline="0">
+                    <a:solidFill>
+                      <a:schemeClr val="tx1">
+                        <a:lumMod val="65000"/>
+                        <a:lumOff val="35000"/>
+                      </a:schemeClr>
+                    </a:solidFill>
+                    <a:latin typeface="+mn-lt"/>
+                    <a:ea typeface="+mn-ea"/>
+                    <a:cs typeface="+mn-cs"/>
+                  </a:defRPr>
+                </a:pPr>
+                <a:r>
+                  <a:rPr lang="en-US"/>
+                  <a:t>Experiment</a:t>
+                </a:r>
+                <a:r>
+                  <a:rPr lang="en-US" baseline="0"/>
+                  <a:t> Category: Size, Colors</a:t>
+                </a:r>
+                <a:endParaRPr lang="en-US"/>
+              </a:p>
+            </c:rich>
+          </c:tx>
+          <c:overlay val="0"/>
+          <c:spPr>
+            <a:noFill/>
+            <a:ln>
+              <a:noFill/>
+            </a:ln>
+            <a:effectLst/>
+          </c:spPr>
+          <c:txPr>
+            <a:bodyPr rot="0" spcFirstLastPara="1" vertOverflow="ellipsis" vert="horz" wrap="square" anchor="ctr" anchorCtr="1"/>
+            <a:lstStyle/>
+            <a:p>
+              <a:pPr>
+                <a:defRPr sz="1000" b="0" i="0" u="none" strike="noStrike" kern="1200" baseline="0">
+                  <a:solidFill>
+                    <a:schemeClr val="tx1">
+                      <a:lumMod val="65000"/>
+                      <a:lumOff val="35000"/>
+                    </a:schemeClr>
+                  </a:solidFill>
+                  <a:latin typeface="+mn-lt"/>
+                  <a:ea typeface="+mn-ea"/>
+                  <a:cs typeface="+mn-cs"/>
+                </a:defRPr>
+              </a:pPr>
+              <a:endParaRPr lang="en-US"/>
+            </a:p>
+          </c:txPr>
+        </c:title>
+        <c:numFmt formatCode="General" sourceLinked="1"/>
+        <c:majorTickMark val="none"/>
+        <c:minorTickMark val="none"/>
+        <c:tickLblPos val="nextTo"/>
+        <c:crossAx val="1617361488"/>
+        <c:crosses val="autoZero"/>
+        <c:auto val="1"/>
+        <c:lblAlgn val="ctr"/>
+        <c:lblOffset val="100"/>
+        <c:noMultiLvlLbl val="0"/>
+      </c:catAx>
+      <c:valAx>
+        <c:axId val="1617361488"/>
+        <c:scaling>
+          <c:orientation val="minMax"/>
+        </c:scaling>
+        <c:delete val="0"/>
+        <c:axPos val="l"/>
+        <c:majorGridlines>
+          <c:spPr>
+            <a:ln w="9525" cap="flat" cmpd="sng" algn="ctr">
+              <a:solidFill>
+                <a:schemeClr val="tx1">
+                  <a:lumMod val="15000"/>
+                  <a:lumOff val="85000"/>
+                </a:schemeClr>
+              </a:solidFill>
+              <a:round/>
+            </a:ln>
+            <a:effectLst/>
+          </c:spPr>
+        </c:majorGridlines>
+        <c:title>
+          <c:tx>
+            <c:rich>
+              <a:bodyPr rot="-5400000" spcFirstLastPara="1" vertOverflow="ellipsis" vert="horz" wrap="square" anchor="ctr" anchorCtr="1"/>
+              <a:lstStyle/>
+              <a:p>
+                <a:pPr>
+                  <a:defRPr sz="1000" b="0" i="0" u="none" strike="noStrike" kern="1200" baseline="0">
+                    <a:solidFill>
+                      <a:schemeClr val="tx1">
+                        <a:lumMod val="65000"/>
+                        <a:lumOff val="35000"/>
+                      </a:schemeClr>
+                    </a:solidFill>
+                    <a:latin typeface="+mn-lt"/>
+                    <a:ea typeface="+mn-ea"/>
+                    <a:cs typeface="+mn-cs"/>
+                  </a:defRPr>
+                </a:pPr>
+                <a:r>
+                  <a:rPr lang="en-US"/>
+                  <a:t>Nodes Explroed</a:t>
+                </a:r>
+              </a:p>
+            </c:rich>
+          </c:tx>
+          <c:overlay val="0"/>
+          <c:spPr>
+            <a:noFill/>
+            <a:ln>
+              <a:noFill/>
+            </a:ln>
+            <a:effectLst/>
+          </c:spPr>
+          <c:txPr>
+            <a:bodyPr rot="-5400000" spcFirstLastPara="1" vertOverflow="ellipsis" vert="horz" wrap="square" anchor="ctr" anchorCtr="1"/>
+            <a:lstStyle/>
+            <a:p>
+              <a:pPr>
+                <a:defRPr sz="1000" b="0" i="0" u="none" strike="noStrike" kern="1200" baseline="0">
+                  <a:solidFill>
+                    <a:schemeClr val="tx1">
+                      <a:lumMod val="65000"/>
+                      <a:lumOff val="35000"/>
+                    </a:schemeClr>
+                  </a:solidFill>
+                  <a:latin typeface="+mn-lt"/>
+                  <a:ea typeface="+mn-ea"/>
+                  <a:cs typeface="+mn-cs"/>
+                </a:defRPr>
+              </a:pPr>
+              <a:endParaRPr lang="en-US"/>
+            </a:p>
+          </c:txPr>
+        </c:title>
+        <c:numFmt formatCode="General" sourceLinked="1"/>
+        <c:majorTickMark val="none"/>
+        <c:minorTickMark val="none"/>
+        <c:tickLblPos val="nextTo"/>
+        <c:spPr>
+          <a:noFill/>
+          <a:ln>
+            <a:noFill/>
+          </a:ln>
+          <a:effectLst/>
+        </c:spPr>
+        <c:txPr>
+          <a:bodyPr rot="-60000000" spcFirstLastPara="1" vertOverflow="ellipsis" vert="horz" wrap="square" anchor="ctr" anchorCtr="1"/>
+          <a:lstStyle/>
+          <a:p>
+            <a:pPr>
+              <a:defRPr sz="900" b="0" i="0" u="none" strike="noStrike" kern="1200" baseline="0">
+                <a:solidFill>
+                  <a:schemeClr val="tx1">
+                    <a:lumMod val="65000"/>
+                    <a:lumOff val="35000"/>
+                  </a:schemeClr>
+                </a:solidFill>
+                <a:latin typeface="+mn-lt"/>
+                <a:ea typeface="+mn-ea"/>
+                <a:cs typeface="+mn-cs"/>
+              </a:defRPr>
+            </a:pPr>
+            <a:endParaRPr lang="en-US"/>
+          </a:p>
+        </c:txPr>
+        <c:crossAx val="1617361008"/>
+        <c:crosses val="autoZero"/>
+        <c:crossBetween val="between"/>
+      </c:valAx>
+      <c:spPr>
+        <a:noFill/>
+        <a:ln>
+          <a:noFill/>
+        </a:ln>
+        <a:effectLst/>
+      </c:spPr>
+    </c:plotArea>
+    <c:legend>
+      <c:legendPos val="b"/>
+      <c:overlay val="0"/>
+      <c:spPr>
+        <a:noFill/>
+        <a:ln>
+          <a:noFill/>
+        </a:ln>
+        <a:effectLst/>
+      </c:spPr>
+      <c:txPr>
+        <a:bodyPr rot="0" spcFirstLastPara="1" vertOverflow="ellipsis" vert="horz" wrap="square" anchor="ctr" anchorCtr="1"/>
+        <a:lstStyle/>
+        <a:p>
+          <a:pPr>
+            <a:defRPr sz="900" b="0" i="0" u="none" strike="noStrike" kern="1200" baseline="0">
+              <a:solidFill>
+                <a:schemeClr val="tx1">
+                  <a:lumMod val="65000"/>
+                  <a:lumOff val="35000"/>
+                </a:schemeClr>
+              </a:solidFill>
+              <a:latin typeface="+mn-lt"/>
+              <a:ea typeface="+mn-ea"/>
+              <a:cs typeface="+mn-cs"/>
+            </a:defRPr>
+          </a:pPr>
+          <a:endParaRPr lang="en-US"/>
+        </a:p>
+      </c:txPr>
+    </c:legend>
+    <c:plotVisOnly val="1"/>
+    <c:dispBlanksAs val="gap"/>
+    <c:showDLblsOverMax val="0"/>
+  </c:chart>
+  <c:spPr>
+    <a:noFill/>
+    <a:ln>
+      <a:noFill/>
+    </a:ln>
+    <a:effectLst/>
+  </c:spPr>
+  <c:txPr>
+    <a:bodyPr/>
+    <a:lstStyle/>
+    <a:p>
+      <a:pPr>
+        <a:defRPr/>
+      </a:pPr>
+      <a:endParaRPr lang="en-US"/>
+    </a:p>
+  </c:txPr>
+  <c:externalData r:id="rId3">
+    <c:autoUpdate val="0"/>
+  </c:externalData>
+</c:chartSpace>
+</file>
+
+<file path=ppt/charts/colors1.xml><?xml version="1.0" encoding="utf-8"?>
+<cs:colorStyle xmlns:cs="http://schemas.microsoft.com/office/drawing/2012/chartStyle" xmlns:a="http://schemas.openxmlformats.org/drawingml/2006/main" meth="cycle" id="10">
+  <a:schemeClr val="accent1"/>
+  <a:schemeClr val="accent2"/>
+  <a:schemeClr val="accent3"/>
+  <a:schemeClr val="accent4"/>
+  <a:schemeClr val="accent5"/>
+  <a:schemeClr val="accent6"/>
+  <cs:variation/>
+  <cs:variation>
+    <a:lumMod val="60000"/>
+  </cs:variation>
+  <cs:variation>
+    <a:lumMod val="80000"/>
+    <a:lumOff val="20000"/>
+  </cs:variation>
+  <cs:variation>
+    <a:lumMod val="80000"/>
+  </cs:variation>
+  <cs:variation>
+    <a:lumMod val="60000"/>
+    <a:lumOff val="40000"/>
+  </cs:variation>
+  <cs:variation>
+    <a:lumMod val="50000"/>
+  </cs:variation>
+  <cs:variation>
+    <a:lumMod val="70000"/>
+    <a:lumOff val="30000"/>
+  </cs:variation>
+  <cs:variation>
+    <a:lumMod val="70000"/>
+  </cs:variation>
+  <cs:variation>
+    <a:lumMod val="50000"/>
+    <a:lumOff val="50000"/>
+  </cs:variation>
+</cs:colorStyle>
+</file>
+
+<file path=ppt/charts/style1.xml><?xml version="1.0" encoding="utf-8"?>
+<cs:chartStyle xmlns:cs="http://schemas.microsoft.com/office/drawing/2012/chartStyle" xmlns:a="http://schemas.openxmlformats.org/drawingml/2006/main" id="201">
+  <cs:axisTitle>
+    <cs:lnRef idx="0"/>
+    <cs:fillRef idx="0"/>
+    <cs:effectRef idx="0"/>
+    <cs:fontRef idx="minor">
+      <a:schemeClr val="tx1">
+        <a:lumMod val="65000"/>
+        <a:lumOff val="35000"/>
+      </a:schemeClr>
+    </cs:fontRef>
+    <cs:defRPr sz="1000" kern="1200"/>
+  </cs:axisTitle>
+  <cs:categoryAxis>
+    <cs:lnRef idx="0"/>
+    <cs:fillRef idx="0"/>
+    <cs:effectRef idx="0"/>
+    <cs:fontRef idx="minor">
+      <a:schemeClr val="tx1">
+        <a:lumMod val="65000"/>
+        <a:lumOff val="35000"/>
+      </a:schemeClr>
+    </cs:fontRef>
+    <cs:spPr>
+      <a:ln w="9525" cap="flat" cmpd="sng" algn="ctr">
+        <a:solidFill>
+          <a:schemeClr val="tx1">
+            <a:lumMod val="15000"/>
+            <a:lumOff val="85000"/>
+          </a:schemeClr>
+        </a:solidFill>
+        <a:round/>
+      </a:ln>
+    </cs:spPr>
+    <cs:defRPr sz="900" kern="1200"/>
+  </cs:categoryAxis>
+  <cs:chartArea mods="allowNoFillOverride allowNoLineOverride">
+    <cs:lnRef idx="0"/>
+    <cs:fillRef idx="0"/>
+    <cs:effectRef idx="0"/>
+    <cs:fontRef idx="minor">
+      <a:schemeClr val="tx1"/>
+    </cs:fontRef>
+    <cs:spPr>
+      <a:solidFill>
+        <a:schemeClr val="bg1"/>
+      </a:solidFill>
+      <a:ln w="9525" cap="flat" cmpd="sng" algn="ctr">
+        <a:solidFill>
+          <a:schemeClr val="tx1">
+            <a:lumMod val="15000"/>
+            <a:lumOff val="85000"/>
+          </a:schemeClr>
+        </a:solidFill>
+        <a:round/>
+      </a:ln>
+    </cs:spPr>
+    <cs:defRPr sz="1000" kern="1200"/>
+  </cs:chartArea>
+  <cs:dataLabel>
+    <cs:lnRef idx="0"/>
+    <cs:fillRef idx="0"/>
+    <cs:effectRef idx="0"/>
+    <cs:fontRef idx="minor">
+      <a:schemeClr val="tx1">
+        <a:lumMod val="75000"/>
+        <a:lumOff val="25000"/>
+      </a:schemeClr>
+    </cs:fontRef>
+    <cs:defRPr sz="900" kern="1200"/>
+  </cs:dataLabel>
+  <cs:dataLabelCallout>
+    <cs:lnRef idx="0"/>
+    <cs:fillRef idx="0"/>
+    <cs:effectRef idx="0"/>
+    <cs:fontRef idx="minor">
+      <a:schemeClr val="dk1">
+        <a:lumMod val="65000"/>
+        <a:lumOff val="35000"/>
+      </a:schemeClr>
+    </cs:fontRef>
+    <cs:spPr>
+      <a:solidFill>
+        <a:schemeClr val="lt1"/>
+      </a:solidFill>
+      <a:ln>
+        <a:solidFill>
+          <a:schemeClr val="dk1">
+            <a:lumMod val="25000"/>
+            <a:lumOff val="75000"/>
+          </a:schemeClr>
+        </a:solidFill>
+      </a:ln>
+    </cs:spPr>
+    <cs:defRPr sz="900" kern="1200"/>
+    <cs:bodyPr rot="0" spcFirstLastPara="1" vertOverflow="clip" horzOverflow="clip" vert="horz" wrap="square" lIns="36576" tIns="18288" rIns="36576" bIns="18288" anchor="ctr" anchorCtr="1">
+      <a:spAutoFit/>
+    </cs:bodyPr>
+  </cs:dataLabelCallout>
+  <cs:dataPoint>
+    <cs:lnRef idx="0"/>
+    <cs:fillRef idx="1">
+      <cs:styleClr val="auto"/>
+    </cs:fillRef>
+    <cs:effectRef idx="0"/>
+    <cs:fontRef idx="minor">
+      <a:schemeClr val="tx1"/>
+    </cs:fontRef>
+  </cs:dataPoint>
+  <cs:dataPoint3D>
+    <cs:lnRef idx="0"/>
+    <cs:fillRef idx="1">
+      <cs:styleClr val="auto"/>
+    </cs:fillRef>
+    <cs:effectRef idx="0"/>
+    <cs:fontRef idx="minor">
+      <a:schemeClr val="tx1"/>
+    </cs:fontRef>
+  </cs:dataPoint3D>
+  <cs:dataPointLine>
+    <cs:lnRef idx="0">
+      <cs:styleClr val="auto"/>
+    </cs:lnRef>
+    <cs:fillRef idx="1"/>
+    <cs:effectRef idx="0"/>
+    <cs:fontRef idx="minor">
+      <a:schemeClr val="tx1"/>
+    </cs:fontRef>
+    <cs:spPr>
+      <a:ln w="28575" cap="rnd">
+        <a:solidFill>
+          <a:schemeClr val="phClr"/>
+        </a:solidFill>
+        <a:round/>
+      </a:ln>
+    </cs:spPr>
+  </cs:dataPointLine>
+  <cs:dataPointMarker>
+    <cs:lnRef idx="0">
+      <cs:styleClr val="auto"/>
+    </cs:lnRef>
+    <cs:fillRef idx="1">
+      <cs:styleClr val="auto"/>
+    </cs:fillRef>
+    <cs:effectRef idx="0"/>
+    <cs:fontRef idx="minor">
+      <a:schemeClr val="tx1"/>
+    </cs:fontRef>
+    <cs:spPr>
+      <a:ln w="9525">
+        <a:solidFill>
+          <a:schemeClr val="phClr"/>
+        </a:solidFill>
+      </a:ln>
+    </cs:spPr>
+  </cs:dataPointMarker>
+  <cs:dataPointMarkerLayout symbol="circle" size="5"/>
+  <cs:dataPointWireframe>
+    <cs:lnRef idx="0">
+      <cs:styleClr val="auto"/>
+    </cs:lnRef>
+    <cs:fillRef idx="1"/>
+    <cs:effectRef idx="0"/>
+    <cs:fontRef idx="minor">
+      <a:schemeClr val="tx1"/>
+    </cs:fontRef>
+    <cs:spPr>
+      <a:ln w="9525" cap="rnd">
+        <a:solidFill>
+          <a:schemeClr val="phClr"/>
+        </a:solidFill>
+        <a:round/>
+      </a:ln>
+    </cs:spPr>
+  </cs:dataPointWireframe>
+  <cs:dataTable>
+    <cs:lnRef idx="0"/>
+    <cs:fillRef idx="0"/>
+    <cs:effectRef idx="0"/>
+    <cs:fontRef idx="minor">
+      <a:schemeClr val="tx1">
+        <a:lumMod val="65000"/>
+        <a:lumOff val="35000"/>
+      </a:schemeClr>
+    </cs:fontRef>
+    <cs:spPr>
+      <a:noFill/>
+      <a:ln w="9525" cap="flat" cmpd="sng" algn="ctr">
+        <a:solidFill>
+          <a:schemeClr val="tx1">
+            <a:lumMod val="15000"/>
+            <a:lumOff val="85000"/>
+          </a:schemeClr>
+        </a:solidFill>
+        <a:round/>
+      </a:ln>
+    </cs:spPr>
+    <cs:defRPr sz="900" kern="1200"/>
+  </cs:dataTable>
+  <cs:downBar>
+    <cs:lnRef idx="0"/>
+    <cs:fillRef idx="0"/>
+    <cs:effectRef idx="0"/>
+    <cs:fontRef idx="minor">
+      <a:schemeClr val="dk1"/>
+    </cs:fontRef>
+    <cs:spPr>
+      <a:solidFill>
+        <a:schemeClr val="dk1">
+          <a:lumMod val="65000"/>
+          <a:lumOff val="35000"/>
+        </a:schemeClr>
+      </a:solidFill>
+      <a:ln w="9525">
+        <a:solidFill>
+          <a:schemeClr val="tx1">
+            <a:lumMod val="65000"/>
+            <a:lumOff val="35000"/>
+          </a:schemeClr>
+        </a:solidFill>
+      </a:ln>
+    </cs:spPr>
+  </cs:downBar>
+  <cs:dropLine>
+    <cs:lnRef idx="0"/>
+    <cs:fillRef idx="0"/>
+    <cs:effectRef idx="0"/>
+    <cs:fontRef idx="minor">
+      <a:schemeClr val="tx1"/>
+    </cs:fontRef>
+    <cs:spPr>
+      <a:ln w="9525" cap="flat" cmpd="sng" algn="ctr">
+        <a:solidFill>
+          <a:schemeClr val="tx1">
+            <a:lumMod val="35000"/>
+            <a:lumOff val="65000"/>
+          </a:schemeClr>
+        </a:solidFill>
+        <a:round/>
+      </a:ln>
+    </cs:spPr>
+  </cs:dropLine>
+  <cs:errorBar>
+    <cs:lnRef idx="0"/>
+    <cs:fillRef idx="0"/>
+    <cs:effectRef idx="0"/>
+    <cs:fontRef idx="minor">
+      <a:schemeClr val="tx1"/>
+    </cs:fontRef>
+    <cs:spPr>
+      <a:ln w="9525" cap="flat" cmpd="sng" algn="ctr">
+        <a:solidFill>
+          <a:schemeClr val="tx1">
+            <a:lumMod val="65000"/>
+            <a:lumOff val="35000"/>
+          </a:schemeClr>
+        </a:solidFill>
+        <a:round/>
+      </a:ln>
+    </cs:spPr>
+  </cs:errorBar>
+  <cs:floor>
+    <cs:lnRef idx="0"/>
+    <cs:fillRef idx="0"/>
+    <cs:effectRef idx="0"/>
+    <cs:fontRef idx="minor">
+      <a:schemeClr val="tx1"/>
+    </cs:fontRef>
+    <cs:spPr>
+      <a:noFill/>
+      <a:ln>
+        <a:noFill/>
+      </a:ln>
+    </cs:spPr>
+  </cs:floor>
+  <cs:gridlineMajor>
+    <cs:lnRef idx="0"/>
+    <cs:fillRef idx="0"/>
+    <cs:effectRef idx="0"/>
+    <cs:fontRef idx="minor">
+      <a:schemeClr val="tx1"/>
+    </cs:fontRef>
+    <cs:spPr>
+      <a:ln w="9525" cap="flat" cmpd="sng" algn="ctr">
+        <a:solidFill>
+          <a:schemeClr val="tx1">
+            <a:lumMod val="15000"/>
+            <a:lumOff val="85000"/>
+          </a:schemeClr>
+        </a:solidFill>
+        <a:round/>
+      </a:ln>
+    </cs:spPr>
+  </cs:gridlineMajor>
+  <cs:gridlineMinor>
+    <cs:lnRef idx="0"/>
+    <cs:fillRef idx="0"/>
+    <cs:effectRef idx="0"/>
+    <cs:fontRef idx="minor">
+      <a:schemeClr val="tx1"/>
+    </cs:fontRef>
+    <cs:spPr>
+      <a:ln w="9525" cap="flat" cmpd="sng" algn="ctr">
+        <a:solidFill>
+          <a:schemeClr val="tx1">
+            <a:lumMod val="5000"/>
+            <a:lumOff val="95000"/>
+          </a:schemeClr>
+        </a:solidFill>
+        <a:round/>
+      </a:ln>
+    </cs:spPr>
+  </cs:gridlineMinor>
+  <cs:hiLoLine>
+    <cs:lnRef idx="0"/>
+    <cs:fillRef idx="0"/>
+    <cs:effectRef idx="0"/>
+    <cs:fontRef idx="minor">
+      <a:schemeClr val="tx1"/>
+    </cs:fontRef>
+    <cs:spPr>
+      <a:ln w="9525" cap="flat" cmpd="sng" algn="ctr">
+        <a:solidFill>
+          <a:schemeClr val="tx1">
+            <a:lumMod val="75000"/>
+            <a:lumOff val="25000"/>
+          </a:schemeClr>
+        </a:solidFill>
+        <a:round/>
+      </a:ln>
+    </cs:spPr>
+  </cs:hiLoLine>
+  <cs:leaderLine>
+    <cs:lnRef idx="0"/>
+    <cs:fillRef idx="0"/>
+    <cs:effectRef idx="0"/>
+    <cs:fontRef idx="minor">
+      <a:schemeClr val="tx1"/>
+    </cs:fontRef>
+    <cs:spPr>
+      <a:ln w="9525" cap="flat" cmpd="sng" algn="ctr">
+        <a:solidFill>
+          <a:schemeClr val="tx1">
+            <a:lumMod val="35000"/>
+            <a:lumOff val="65000"/>
+          </a:schemeClr>
+        </a:solidFill>
+        <a:round/>
+      </a:ln>
+    </cs:spPr>
+  </cs:leaderLine>
+  <cs:legend>
+    <cs:lnRef idx="0"/>
+    <cs:fillRef idx="0"/>
+    <cs:effectRef idx="0"/>
+    <cs:fontRef idx="minor">
+      <a:schemeClr val="tx1">
+        <a:lumMod val="65000"/>
+        <a:lumOff val="35000"/>
+      </a:schemeClr>
+    </cs:fontRef>
+    <cs:defRPr sz="900" kern="1200"/>
+  </cs:legend>
+  <cs:plotArea mods="allowNoFillOverride allowNoLineOverride">
+    <cs:lnRef idx="0"/>
+    <cs:fillRef idx="0"/>
+    <cs:effectRef idx="0"/>
+    <cs:fontRef idx="minor">
+      <a:schemeClr val="tx1"/>
+    </cs:fontRef>
+  </cs:plotArea>
+  <cs:plotArea3D mods="allowNoFillOverride allowNoLineOverride">
+    <cs:lnRef idx="0"/>
+    <cs:fillRef idx="0"/>
+    <cs:effectRef idx="0"/>
+    <cs:fontRef idx="minor">
+      <a:schemeClr val="tx1"/>
+    </cs:fontRef>
+  </cs:plotArea3D>
+  <cs:seriesAxis>
+    <cs:lnRef idx="0"/>
+    <cs:fillRef idx="0"/>
+    <cs:effectRef idx="0"/>
+    <cs:fontRef idx="minor">
+      <a:schemeClr val="tx1">
+        <a:lumMod val="65000"/>
+        <a:lumOff val="35000"/>
+      </a:schemeClr>
+    </cs:fontRef>
+    <cs:defRPr sz="900" kern="1200"/>
+  </cs:seriesAxis>
+  <cs:seriesLine>
+    <cs:lnRef idx="0"/>
+    <cs:fillRef idx="0"/>
+    <cs:effectRef idx="0"/>
+    <cs:fontRef idx="minor">
+      <a:schemeClr val="tx1"/>
+    </cs:fontRef>
+    <cs:spPr>
+      <a:ln w="9525" cap="flat" cmpd="sng" algn="ctr">
+        <a:solidFill>
+          <a:schemeClr val="tx1">
+            <a:lumMod val="35000"/>
+            <a:lumOff val="65000"/>
+          </a:schemeClr>
+        </a:solidFill>
+        <a:round/>
+      </a:ln>
+    </cs:spPr>
+  </cs:seriesLine>
+  <cs:title>
+    <cs:lnRef idx="0"/>
+    <cs:fillRef idx="0"/>
+    <cs:effectRef idx="0"/>
+    <cs:fontRef idx="minor">
+      <a:schemeClr val="tx1">
+        <a:lumMod val="65000"/>
+        <a:lumOff val="35000"/>
+      </a:schemeClr>
+    </cs:fontRef>
+    <cs:defRPr sz="1400" b="0" kern="1200" spc="0" baseline="0"/>
+  </cs:title>
+  <cs:trendline>
+    <cs:lnRef idx="0">
+      <cs:styleClr val="auto"/>
+    </cs:lnRef>
+    <cs:fillRef idx="0"/>
+    <cs:effectRef idx="0"/>
+    <cs:fontRef idx="minor">
+      <a:schemeClr val="tx1"/>
+    </cs:fontRef>
+    <cs:spPr>
+      <a:ln w="19050" cap="rnd">
+        <a:solidFill>
+          <a:schemeClr val="phClr"/>
+        </a:solidFill>
+        <a:prstDash val="sysDot"/>
+      </a:ln>
+    </cs:spPr>
+  </cs:trendline>
+  <cs:trendlineLabel>
+    <cs:lnRef idx="0"/>
+    <cs:fillRef idx="0"/>
+    <cs:effectRef idx="0"/>
+    <cs:fontRef idx="minor">
+      <a:schemeClr val="tx1">
+        <a:lumMod val="65000"/>
+        <a:lumOff val="35000"/>
+      </a:schemeClr>
+    </cs:fontRef>
+    <cs:defRPr sz="900" kern="1200"/>
+  </cs:trendlineLabel>
+  <cs:upBar>
+    <cs:lnRef idx="0"/>
+    <cs:fillRef idx="0"/>
+    <cs:effectRef idx="0"/>
+    <cs:fontRef idx="minor">
+      <a:schemeClr val="dk1"/>
+    </cs:fontRef>
+    <cs:spPr>
+      <a:solidFill>
+        <a:schemeClr val="lt1"/>
+      </a:solidFill>
+      <a:ln w="9525">
+        <a:solidFill>
+          <a:schemeClr val="tx1">
+            <a:lumMod val="15000"/>
+            <a:lumOff val="85000"/>
+          </a:schemeClr>
+        </a:solidFill>
+      </a:ln>
+    </cs:spPr>
+  </cs:upBar>
+  <cs:valueAxis>
+    <cs:lnRef idx="0"/>
+    <cs:fillRef idx="0"/>
+    <cs:effectRef idx="0"/>
+    <cs:fontRef idx="minor">
+      <a:schemeClr val="tx1">
+        <a:lumMod val="65000"/>
+        <a:lumOff val="35000"/>
+      </a:schemeClr>
+    </cs:fontRef>
+    <cs:defRPr sz="900" kern="1200"/>
+  </cs:valueAxis>
+  <cs:wall>
+    <cs:lnRef idx="0"/>
+    <cs:fillRef idx="0"/>
+    <cs:effectRef idx="0"/>
+    <cs:fontRef idx="minor">
+      <a:schemeClr val="tx1"/>
+    </cs:fontRef>
+    <cs:spPr>
+      <a:noFill/>
+      <a:ln>
+        <a:noFill/>
+      </a:ln>
+    </cs:spPr>
+  </cs:wall>
+</cs:chartStyle>
 </file>
 
 <file path=ppt/slideLayouts/slideLayout1.xml><?xml version="1.0" encoding="utf-8"?>
@@ -259,7 +1784,7 @@
           <a:p>
             <a:fld id="{CAA81226-4D23-462C-9E2D-9B2F7D2FBC0B}" type="datetimeFigureOut">
               <a:rPr lang="en-US" smtClean="0"/>
-              <a:t>3/14/2024</a:t>
+              <a:t>3/17/2024</a:t>
             </a:fld>
             <a:endParaRPr lang="en-US"/>
           </a:p>
@@ -457,7 +1982,7 @@
           <a:p>
             <a:fld id="{CAA81226-4D23-462C-9E2D-9B2F7D2FBC0B}" type="datetimeFigureOut">
               <a:rPr lang="en-US" smtClean="0"/>
-              <a:t>3/14/2024</a:t>
+              <a:t>3/17/2024</a:t>
             </a:fld>
             <a:endParaRPr lang="en-US"/>
           </a:p>
@@ -665,7 +2190,7 @@
           <a:p>
             <a:fld id="{CAA81226-4D23-462C-9E2D-9B2F7D2FBC0B}" type="datetimeFigureOut">
               <a:rPr lang="en-US" smtClean="0"/>
-              <a:t>3/14/2024</a:t>
+              <a:t>3/17/2024</a:t>
             </a:fld>
             <a:endParaRPr lang="en-US"/>
           </a:p>
@@ -863,7 +2388,7 @@
           <a:p>
             <a:fld id="{CAA81226-4D23-462C-9E2D-9B2F7D2FBC0B}" type="datetimeFigureOut">
               <a:rPr lang="en-US" smtClean="0"/>
-              <a:t>3/14/2024</a:t>
+              <a:t>3/17/2024</a:t>
             </a:fld>
             <a:endParaRPr lang="en-US"/>
           </a:p>
@@ -1138,7 +2663,7 @@
           <a:p>
             <a:fld id="{CAA81226-4D23-462C-9E2D-9B2F7D2FBC0B}" type="datetimeFigureOut">
               <a:rPr lang="en-US" smtClean="0"/>
-              <a:t>3/14/2024</a:t>
+              <a:t>3/17/2024</a:t>
             </a:fld>
             <a:endParaRPr lang="en-US"/>
           </a:p>
@@ -1403,7 +2928,7 @@
           <a:p>
             <a:fld id="{CAA81226-4D23-462C-9E2D-9B2F7D2FBC0B}" type="datetimeFigureOut">
               <a:rPr lang="en-US" smtClean="0"/>
-              <a:t>3/14/2024</a:t>
+              <a:t>3/17/2024</a:t>
             </a:fld>
             <a:endParaRPr lang="en-US"/>
           </a:p>
@@ -1815,7 +3340,7 @@
           <a:p>
             <a:fld id="{CAA81226-4D23-462C-9E2D-9B2F7D2FBC0B}" type="datetimeFigureOut">
               <a:rPr lang="en-US" smtClean="0"/>
-              <a:t>3/14/2024</a:t>
+              <a:t>3/17/2024</a:t>
             </a:fld>
             <a:endParaRPr lang="en-US"/>
           </a:p>
@@ -1956,7 +3481,7 @@
           <a:p>
             <a:fld id="{CAA81226-4D23-462C-9E2D-9B2F7D2FBC0B}" type="datetimeFigureOut">
               <a:rPr lang="en-US" smtClean="0"/>
-              <a:t>3/14/2024</a:t>
+              <a:t>3/17/2024</a:t>
             </a:fld>
             <a:endParaRPr lang="en-US"/>
           </a:p>
@@ -2069,7 +3594,7 @@
           <a:p>
             <a:fld id="{CAA81226-4D23-462C-9E2D-9B2F7D2FBC0B}" type="datetimeFigureOut">
               <a:rPr lang="en-US" smtClean="0"/>
-              <a:t>3/14/2024</a:t>
+              <a:t>3/17/2024</a:t>
             </a:fld>
             <a:endParaRPr lang="en-US"/>
           </a:p>
@@ -2380,7 +3905,7 @@
           <a:p>
             <a:fld id="{CAA81226-4D23-462C-9E2D-9B2F7D2FBC0B}" type="datetimeFigureOut">
               <a:rPr lang="en-US" smtClean="0"/>
-              <a:t>3/14/2024</a:t>
+              <a:t>3/17/2024</a:t>
             </a:fld>
             <a:endParaRPr lang="en-US"/>
           </a:p>
@@ -2668,7 +4193,7 @@
           <a:p>
             <a:fld id="{CAA81226-4D23-462C-9E2D-9B2F7D2FBC0B}" type="datetimeFigureOut">
               <a:rPr lang="en-US" smtClean="0"/>
-              <a:t>3/14/2024</a:t>
+              <a:t>3/17/2024</a:t>
             </a:fld>
             <a:endParaRPr lang="en-US"/>
           </a:p>
@@ -2909,7 +4434,7 @@
           <a:p>
             <a:fld id="{CAA81226-4D23-462C-9E2D-9B2F7D2FBC0B}" type="datetimeFigureOut">
               <a:rPr lang="en-US" smtClean="0"/>
-              <a:t>3/14/2024</a:t>
+              <a:t>3/17/2024</a:t>
             </a:fld>
             <a:endParaRPr lang="en-US"/>
           </a:p>
@@ -3349,7 +4874,7 @@
           <a:p>
             <a:r>
               <a:rPr lang="en-US" dirty="0"/>
-              <a:t>Introduction</a:t>
+              <a:t>Flood-it!</a:t>
             </a:r>
           </a:p>
         </p:txBody>
@@ -3377,7 +4902,7 @@
           <a:p>
             <a:r>
               <a:rPr lang="en-US" dirty="0"/>
-              <a:t>What is the problem</a:t>
+              <a:t>Evan Dreher, Micah Nicodemus</a:t>
             </a:r>
           </a:p>
         </p:txBody>
@@ -3386,6 +4911,124 @@
     <p:extLst>
       <p:ext uri="{BB962C8B-B14F-4D97-AF65-F5344CB8AC3E}">
         <p14:creationId xmlns:p14="http://schemas.microsoft.com/office/powerpoint/2010/main" val="146865581"/>
+      </p:ext>
+    </p:extLst>
+  </p:cSld>
+  <p:clrMapOvr>
+    <a:masterClrMapping/>
+  </p:clrMapOvr>
+</p:sld>
+</file>
+
+<file path=ppt/slides/slide10.xml><?xml version="1.0" encoding="utf-8"?>
+<p:sld xmlns:a="http://schemas.openxmlformats.org/drawingml/2006/main" xmlns:r="http://schemas.openxmlformats.org/officeDocument/2006/relationships" xmlns:p="http://schemas.openxmlformats.org/presentationml/2006/main">
+  <p:cSld>
+    <p:spTree>
+      <p:nvGrpSpPr>
+        <p:cNvPr id="1" name=""/>
+        <p:cNvGrpSpPr/>
+        <p:nvPr/>
+      </p:nvGrpSpPr>
+      <p:grpSpPr>
+        <a:xfrm>
+          <a:off x="0" y="0"/>
+          <a:ext cx="0" cy="0"/>
+          <a:chOff x="0" y="0"/>
+          <a:chExt cx="0" cy="0"/>
+        </a:xfrm>
+      </p:grpSpPr>
+      <p:sp>
+        <p:nvSpPr>
+          <p:cNvPr id="2" name="Title 1">
+            <a:extLst>
+              <a:ext uri="{FF2B5EF4-FFF2-40B4-BE49-F238E27FC236}">
+                <a16:creationId xmlns:a16="http://schemas.microsoft.com/office/drawing/2014/main" id="{B3C40B8D-7ED9-1B73-3DFB-341733214AD2}"/>
+              </a:ext>
+            </a:extLst>
+          </p:cNvPr>
+          <p:cNvSpPr>
+            <a:spLocks noGrp="1"/>
+          </p:cNvSpPr>
+          <p:nvPr>
+            <p:ph type="title"/>
+          </p:nvPr>
+        </p:nvSpPr>
+        <p:spPr/>
+        <p:txBody>
+          <a:bodyPr/>
+          <a:lstStyle/>
+          <a:p>
+            <a:r>
+              <a:rPr lang="en-US" dirty="0"/>
+              <a:t>Heuristic 1 vs Heuristic 2</a:t>
+            </a:r>
+          </a:p>
+        </p:txBody>
+      </p:sp>
+      <p:sp>
+        <p:nvSpPr>
+          <p:cNvPr id="6" name="Content Placeholder 5">
+            <a:extLst>
+              <a:ext uri="{FF2B5EF4-FFF2-40B4-BE49-F238E27FC236}">
+                <a16:creationId xmlns:a16="http://schemas.microsoft.com/office/drawing/2014/main" id="{4C3B54F1-D811-9688-6801-2343EE93B794}"/>
+              </a:ext>
+            </a:extLst>
+          </p:cNvPr>
+          <p:cNvSpPr>
+            <a:spLocks noGrp="1"/>
+          </p:cNvSpPr>
+          <p:nvPr>
+            <p:ph idx="1"/>
+          </p:nvPr>
+        </p:nvSpPr>
+        <p:spPr>
+          <a:xfrm>
+            <a:off x="838200" y="1839433"/>
+            <a:ext cx="2734340" cy="4337530"/>
+          </a:xfrm>
+        </p:spPr>
+        <p:txBody>
+          <a:bodyPr/>
+          <a:lstStyle/>
+          <a:p>
+            <a:endParaRPr lang="en-US" dirty="0"/>
+          </a:p>
+        </p:txBody>
+      </p:sp>
+      <p:graphicFrame>
+        <p:nvGraphicFramePr>
+          <p:cNvPr id="7" name="Content Placeholder 2">
+            <a:extLst>
+              <a:ext uri="{FF2B5EF4-FFF2-40B4-BE49-F238E27FC236}">
+                <a16:creationId xmlns:a16="http://schemas.microsoft.com/office/drawing/2014/main" id="{0F40CE6D-CFA5-E164-682F-14CFA9F9C9EF}"/>
+              </a:ext>
+            </a:extLst>
+          </p:cNvPr>
+          <p:cNvGraphicFramePr>
+            <a:graphicFrameLocks/>
+          </p:cNvGraphicFramePr>
+          <p:nvPr>
+            <p:extLst>
+              <p:ext uri="{D42A27DB-BD31-4B8C-83A1-F6EECF244321}">
+                <p14:modId xmlns:p14="http://schemas.microsoft.com/office/powerpoint/2010/main" val="1425703670"/>
+              </p:ext>
+            </p:extLst>
+          </p:nvPr>
+        </p:nvGraphicFramePr>
+        <p:xfrm>
+          <a:off x="4051005" y="1690688"/>
+          <a:ext cx="7887585" cy="4802187"/>
+        </p:xfrm>
+        <a:graphic>
+          <a:graphicData uri="http://schemas.openxmlformats.org/drawingml/2006/chart">
+            <c:chart xmlns:c="http://schemas.openxmlformats.org/drawingml/2006/chart" xmlns:r="http://schemas.openxmlformats.org/officeDocument/2006/relationships" r:id="rId2"/>
+          </a:graphicData>
+        </a:graphic>
+      </p:graphicFrame>
+    </p:spTree>
+    <p:extLst>
+      <p:ext uri="{BB962C8B-B14F-4D97-AF65-F5344CB8AC3E}">
+        <p14:creationId xmlns:p14="http://schemas.microsoft.com/office/powerpoint/2010/main" val="2247643946"/>
       </p:ext>
     </p:extLst>
   </p:cSld>
@@ -3461,7 +5104,34 @@
           <a:bodyPr/>
           <a:lstStyle/>
           <a:p>
+            <a:r>
+              <a:rPr lang="en-US" dirty="0"/>
+              <a:t>Must not overestimate cost to goal.</a:t>
+            </a:r>
+          </a:p>
+          <a:p>
             <a:endParaRPr lang="en-US" dirty="0"/>
+          </a:p>
+          <a:p>
+            <a:endParaRPr lang="en-US" dirty="0"/>
+          </a:p>
+          <a:p>
+            <a:r>
+              <a:rPr lang="en-US" dirty="0"/>
+              <a:t>“Dominant” Heuristics</a:t>
+            </a:r>
+          </a:p>
+          <a:p>
+            <a:endParaRPr lang="en-US" dirty="0"/>
+          </a:p>
+          <a:p>
+            <a:endParaRPr lang="en-US" dirty="0"/>
+          </a:p>
+          <a:p>
+            <a:r>
+              <a:rPr lang="en-US" dirty="0"/>
+              <a:t>2 heuristics for “flood-it”</a:t>
+            </a:r>
           </a:p>
         </p:txBody>
       </p:sp>
@@ -3539,12 +5209,44 @@
             <p:ph idx="1"/>
           </p:nvPr>
         </p:nvSpPr>
-        <p:spPr/>
+        <p:spPr>
+          <a:xfrm>
+            <a:off x="838200" y="1825625"/>
+            <a:ext cx="4818321" cy="4351338"/>
+          </a:xfrm>
+        </p:spPr>
         <p:txBody>
           <a:bodyPr/>
           <a:lstStyle/>
           <a:p>
+            <a:r>
+              <a:rPr lang="en-US" dirty="0"/>
+              <a:t>How it works</a:t>
+            </a:r>
+          </a:p>
+          <a:p>
             <a:endParaRPr lang="en-US" dirty="0"/>
+          </a:p>
+          <a:p>
+            <a:endParaRPr lang="en-US" dirty="0"/>
+          </a:p>
+          <a:p>
+            <a:r>
+              <a:rPr lang="en-US" dirty="0"/>
+              <a:t>Why it works</a:t>
+            </a:r>
+          </a:p>
+          <a:p>
+            <a:endParaRPr lang="en-US" dirty="0"/>
+          </a:p>
+          <a:p>
+            <a:endParaRPr lang="en-US" dirty="0"/>
+          </a:p>
+          <a:p>
+            <a:r>
+              <a:rPr lang="en-US" dirty="0"/>
+              <a:t>Issues</a:t>
+            </a:r>
           </a:p>
         </p:txBody>
       </p:sp>
@@ -3601,7 +5303,7 @@
           <a:p>
             <a:r>
               <a:rPr lang="en-US" dirty="0"/>
-              <a:t>Heuristic 2: “Highest Density Layer”</a:t>
+              <a:t>Heuristic 2: “Maximum Layer Density”</a:t>
             </a:r>
           </a:p>
         </p:txBody>
@@ -3627,10 +5329,69 @@
           <a:bodyPr/>
           <a:lstStyle/>
           <a:p>
-            <a:endParaRPr lang="en-US"/>
-          </a:p>
-        </p:txBody>
-      </p:sp>
+            <a:r>
+              <a:rPr lang="en-US" dirty="0"/>
+              <a:t>How it works</a:t>
+            </a:r>
+          </a:p>
+          <a:p>
+            <a:endParaRPr lang="en-US" dirty="0"/>
+          </a:p>
+          <a:p>
+            <a:pPr marL="0" indent="0">
+              <a:buNone/>
+            </a:pPr>
+            <a:endParaRPr lang="en-US" dirty="0"/>
+          </a:p>
+          <a:p>
+            <a:r>
+              <a:rPr lang="en-US" dirty="0"/>
+              <a:t>Why it works</a:t>
+            </a:r>
+          </a:p>
+          <a:p>
+            <a:endParaRPr lang="en-US" dirty="0"/>
+          </a:p>
+          <a:p>
+            <a:endParaRPr lang="en-US" dirty="0"/>
+          </a:p>
+          <a:p>
+            <a:r>
+              <a:rPr lang="en-US" dirty="0"/>
+              <a:t>Example</a:t>
+            </a:r>
+          </a:p>
+        </p:txBody>
+      </p:sp>
+      <p:pic>
+        <p:nvPicPr>
+          <p:cNvPr id="5" name="Picture 4">
+            <a:extLst>
+              <a:ext uri="{FF2B5EF4-FFF2-40B4-BE49-F238E27FC236}">
+                <a16:creationId xmlns:a16="http://schemas.microsoft.com/office/drawing/2014/main" id="{DE28F7DC-A17C-33FC-3DED-ED7AB00D4D5A}"/>
+              </a:ext>
+            </a:extLst>
+          </p:cNvPr>
+          <p:cNvPicPr>
+            <a:picLocks noChangeAspect="1"/>
+          </p:cNvPicPr>
+          <p:nvPr/>
+        </p:nvPicPr>
+        <p:blipFill rotWithShape="1">
+          <a:blip r:embed="rId2"/>
+          <a:srcRect l="1777" t="3197" r="4916" b="9192"/>
+          <a:stretch/>
+        </p:blipFill>
+        <p:spPr>
+          <a:xfrm>
+            <a:off x="5771707" y="1825625"/>
+            <a:ext cx="5582093" cy="2328530"/>
+          </a:xfrm>
+          <a:prstGeom prst="rect">
+            <a:avLst/>
+          </a:prstGeom>
+        </p:spPr>
+      </p:pic>
     </p:spTree>
     <p:extLst>
       <p:ext uri="{BB962C8B-B14F-4D97-AF65-F5344CB8AC3E}">
@@ -3666,7 +5427,7 @@
           <p:cNvPr id="2" name="Title 1">
             <a:extLst>
               <a:ext uri="{FF2B5EF4-FFF2-40B4-BE49-F238E27FC236}">
-                <a16:creationId xmlns:a16="http://schemas.microsoft.com/office/drawing/2014/main" id="{73F0E311-5EE7-7EE6-FF43-F7140DFE499F}"/>
+                <a16:creationId xmlns:a16="http://schemas.microsoft.com/office/drawing/2014/main" id="{EC003F56-C238-B232-A582-D1D54C41E7AE}"/>
               </a:ext>
             </a:extLst>
           </p:cNvPr>
@@ -3684,46 +5445,1405 @@
           <a:p>
             <a:r>
               <a:rPr lang="en-US" dirty="0"/>
-              <a:t>A*</a:t>
-            </a:r>
-          </a:p>
-        </p:txBody>
-      </p:sp>
-      <p:sp>
-        <p:nvSpPr>
-          <p:cNvPr id="3" name="Content Placeholder 2">
-            <a:extLst>
-              <a:ext uri="{FF2B5EF4-FFF2-40B4-BE49-F238E27FC236}">
-                <a16:creationId xmlns:a16="http://schemas.microsoft.com/office/drawing/2014/main" id="{E858E962-1C40-87EF-2CC7-02CFC2504311}"/>
-              </a:ext>
-            </a:extLst>
-          </p:cNvPr>
-          <p:cNvSpPr>
-            <a:spLocks noGrp="1"/>
-          </p:cNvSpPr>
-          <p:nvPr>
-            <p:ph idx="1"/>
-          </p:nvPr>
-        </p:nvSpPr>
-        <p:spPr/>
-        <p:txBody>
-          <a:bodyPr/>
+              <a:t>Heuristic 2: “Maximum Layer Density”</a:t>
+            </a:r>
+          </a:p>
+        </p:txBody>
+      </p:sp>
+      <mc:AlternateContent xmlns:mc="http://schemas.openxmlformats.org/markup-compatibility/2006" xmlns:a14="http://schemas.microsoft.com/office/drawing/2010/main">
+        <mc:Choice Requires="a14">
+          <p:sp>
+            <p:nvSpPr>
+              <p:cNvPr id="3" name="Content Placeholder 2">
+                <a:extLst>
+                  <a:ext uri="{FF2B5EF4-FFF2-40B4-BE49-F238E27FC236}">
+                    <a16:creationId xmlns:a16="http://schemas.microsoft.com/office/drawing/2014/main" id="{6D55A78D-DF1E-E9D9-86F4-8E0B49968B14}"/>
+                  </a:ext>
+                </a:extLst>
+              </p:cNvPr>
+              <p:cNvSpPr>
+                <a:spLocks noGrp="1"/>
+              </p:cNvSpPr>
+              <p:nvPr>
+                <p:ph idx="1"/>
+              </p:nvPr>
+            </p:nvSpPr>
+            <p:spPr/>
+            <p:txBody>
+              <a:bodyPr/>
+              <a:lstStyle/>
+              <a:p>
+                <a:r>
+                  <a:rPr lang="en-US" dirty="0"/>
+                  <a:t>How it works</a:t>
+                </a:r>
+              </a:p>
+              <a:p>
+                <a:endParaRPr lang="en-US" dirty="0"/>
+              </a:p>
+              <a:p>
+                <a:pPr marL="0" indent="0">
+                  <a:buNone/>
+                </a:pPr>
+                <a:endParaRPr lang="en-US" dirty="0"/>
+              </a:p>
+              <a:p>
+                <a:r>
+                  <a:rPr lang="en-US" dirty="0"/>
+                  <a:t>Why it works</a:t>
+                </a:r>
+              </a:p>
+              <a:p>
+                <a:endParaRPr lang="en-US" dirty="0"/>
+              </a:p>
+              <a:p>
+                <a:endParaRPr lang="en-US" dirty="0"/>
+              </a:p>
+              <a:p>
+                <a:r>
+                  <a:rPr lang="en-US" dirty="0"/>
+                  <a:t>Example</a:t>
+                </a:r>
+              </a:p>
+              <a:p>
+                <a:pPr lvl="1"/>
+                <a14:m>
+                  <m:oMath xmlns:m="http://schemas.openxmlformats.org/officeDocument/2006/math">
+                    <m:r>
+                      <a:rPr lang="en-US" b="0" i="1" smtClean="0">
+                        <a:latin typeface="Cambria Math" panose="02040503050406030204" pitchFamily="18" charset="0"/>
+                      </a:rPr>
+                      <m:t>𝑀𝑎𝑥</m:t>
+                    </m:r>
+                    <m:d>
+                      <m:dPr>
+                        <m:ctrlPr>
+                          <a:rPr lang="en-US" b="0" i="1" smtClean="0">
+                            <a:latin typeface="Cambria Math" panose="02040503050406030204" pitchFamily="18" charset="0"/>
+                          </a:rPr>
+                        </m:ctrlPr>
+                      </m:dPr>
+                      <m:e>
+                        <m:r>
+                          <a:rPr lang="en-US" b="0" i="1" smtClean="0">
+                            <a:latin typeface="Cambria Math" panose="02040503050406030204" pitchFamily="18" charset="0"/>
+                          </a:rPr>
+                          <m:t>3, 5, 4</m:t>
+                        </m:r>
+                      </m:e>
+                    </m:d>
+                    <m:r>
+                      <a:rPr lang="en-US" b="0" i="1" smtClean="0">
+                        <a:latin typeface="Cambria Math" panose="02040503050406030204" pitchFamily="18" charset="0"/>
+                      </a:rPr>
+                      <m:t>=5</m:t>
+                    </m:r>
+                  </m:oMath>
+                </a14:m>
+                <a:endParaRPr lang="en-US" dirty="0"/>
+              </a:p>
+              <a:p>
+                <a:pPr marL="0" indent="0">
+                  <a:buNone/>
+                </a:pPr>
+                <a:endParaRPr lang="en-US" dirty="0"/>
+              </a:p>
+            </p:txBody>
+          </p:sp>
+        </mc:Choice>
+        <mc:Fallback xmlns="">
+          <p:sp>
+            <p:nvSpPr>
+              <p:cNvPr id="3" name="Content Placeholder 2">
+                <a:extLst>
+                  <a:ext uri="{FF2B5EF4-FFF2-40B4-BE49-F238E27FC236}">
+                    <a16:creationId xmlns:a16="http://schemas.microsoft.com/office/drawing/2014/main" id="{6D55A78D-DF1E-E9D9-86F4-8E0B49968B14}"/>
+                  </a:ext>
+                </a:extLst>
+              </p:cNvPr>
+              <p:cNvSpPr>
+                <a:spLocks noGrp="1" noRot="1" noChangeAspect="1" noMove="1" noResize="1" noEditPoints="1" noAdjustHandles="1" noChangeArrowheads="1" noChangeShapeType="1" noTextEdit="1"/>
+              </p:cNvSpPr>
+              <p:nvPr>
+                <p:ph idx="1"/>
+              </p:nvPr>
+            </p:nvSpPr>
+            <p:spPr>
+              <a:blipFill>
+                <a:blip r:embed="rId2"/>
+                <a:stretch>
+                  <a:fillRect l="-1043" t="-2381"/>
+                </a:stretch>
+              </a:blipFill>
+            </p:spPr>
+            <p:txBody>
+              <a:bodyPr/>
+              <a:lstStyle/>
+              <a:p>
+                <a:r>
+                  <a:rPr lang="en-US">
+                    <a:noFill/>
+                  </a:rPr>
+                  <a:t> </a:t>
+                </a:r>
+              </a:p>
+            </p:txBody>
+          </p:sp>
+        </mc:Fallback>
+      </mc:AlternateContent>
+      <p:pic>
+        <p:nvPicPr>
+          <p:cNvPr id="7" name="Picture 6">
+            <a:extLst>
+              <a:ext uri="{FF2B5EF4-FFF2-40B4-BE49-F238E27FC236}">
+                <a16:creationId xmlns:a16="http://schemas.microsoft.com/office/drawing/2014/main" id="{0AE6D05F-7A43-9850-9E4E-F1ACDD2FD58D}"/>
+              </a:ext>
+            </a:extLst>
+          </p:cNvPr>
+          <p:cNvPicPr>
+            <a:picLocks noChangeAspect="1"/>
+          </p:cNvPicPr>
+          <p:nvPr/>
+        </p:nvPicPr>
+        <p:blipFill rotWithShape="1">
+          <a:blip r:embed="rId3"/>
+          <a:srcRect l="2971" t="3874" r="4004" b="4823"/>
+          <a:stretch/>
+        </p:blipFill>
+        <p:spPr>
+          <a:xfrm>
+            <a:off x="5542079" y="1613294"/>
+            <a:ext cx="4550735" cy="4561256"/>
+          </a:xfrm>
+          <a:prstGeom prst="rect">
+            <a:avLst/>
+          </a:prstGeom>
+        </p:spPr>
+      </p:pic>
+      <p:sp>
+        <p:nvSpPr>
+          <p:cNvPr id="16" name="Freeform: Shape 15">
+            <a:extLst>
+              <a:ext uri="{FF2B5EF4-FFF2-40B4-BE49-F238E27FC236}">
+                <a16:creationId xmlns:a16="http://schemas.microsoft.com/office/drawing/2014/main" id="{A9D8E339-5B02-6579-3408-4D0A90051B41}"/>
+              </a:ext>
+            </a:extLst>
+          </p:cNvPr>
+          <p:cNvSpPr/>
+          <p:nvPr/>
+        </p:nvSpPr>
+        <p:spPr>
+          <a:xfrm>
+            <a:off x="5216549" y="1293399"/>
+            <a:ext cx="5317656" cy="3336981"/>
+          </a:xfrm>
+          <a:custGeom>
+            <a:avLst/>
+            <a:gdLst>
+              <a:gd name="connsiteX0" fmla="*/ 4037 w 5317656"/>
+              <a:gd name="connsiteY0" fmla="*/ 2404319 h 3336981"/>
+              <a:gd name="connsiteX1" fmla="*/ 142260 w 5317656"/>
+              <a:gd name="connsiteY1" fmla="*/ 3212393 h 3336981"/>
+              <a:gd name="connsiteX2" fmla="*/ 758949 w 5317656"/>
+              <a:gd name="connsiteY2" fmla="*/ 3318719 h 3336981"/>
+              <a:gd name="connsiteX3" fmla="*/ 1460698 w 5317656"/>
+              <a:gd name="connsiteY3" fmla="*/ 3052905 h 3336981"/>
+              <a:gd name="connsiteX4" fmla="*/ 2321935 w 5317656"/>
+              <a:gd name="connsiteY4" fmla="*/ 2319258 h 3336981"/>
+              <a:gd name="connsiteX5" fmla="*/ 3310763 w 5317656"/>
+              <a:gd name="connsiteY5" fmla="*/ 1479286 h 3336981"/>
+              <a:gd name="connsiteX6" fmla="*/ 4746158 w 5317656"/>
+              <a:gd name="connsiteY6" fmla="*/ 1181575 h 3336981"/>
+              <a:gd name="connsiteX7" fmla="*/ 5277786 w 5317656"/>
+              <a:gd name="connsiteY7" fmla="*/ 788170 h 3336981"/>
+              <a:gd name="connsiteX8" fmla="*/ 5224623 w 5317656"/>
+              <a:gd name="connsiteY8" fmla="*/ 171482 h 3336981"/>
+              <a:gd name="connsiteX9" fmla="*/ 4788688 w 5317656"/>
+              <a:gd name="connsiteY9" fmla="*/ 1361 h 3336981"/>
+              <a:gd name="connsiteX10" fmla="*/ 4150735 w 5317656"/>
+              <a:gd name="connsiteY10" fmla="*/ 107686 h 3336981"/>
+              <a:gd name="connsiteX11" fmla="*/ 3310763 w 5317656"/>
+              <a:gd name="connsiteY11" fmla="*/ 384133 h 3336981"/>
+              <a:gd name="connsiteX12" fmla="*/ 1386270 w 5317656"/>
+              <a:gd name="connsiteY12" fmla="*/ 1341063 h 3336981"/>
+              <a:gd name="connsiteX13" fmla="*/ 237953 w 5317656"/>
+              <a:gd name="connsiteY13" fmla="*/ 2149137 h 3336981"/>
+              <a:gd name="connsiteX14" fmla="*/ 4037 w 5317656"/>
+              <a:gd name="connsiteY14" fmla="*/ 2404319 h 3336981"/>
+            </a:gdLst>
+            <a:ahLst/>
+            <a:cxnLst>
+              <a:cxn ang="0">
+                <a:pos x="connsiteX0" y="connsiteY0"/>
+              </a:cxn>
+              <a:cxn ang="0">
+                <a:pos x="connsiteX1" y="connsiteY1"/>
+              </a:cxn>
+              <a:cxn ang="0">
+                <a:pos x="connsiteX2" y="connsiteY2"/>
+              </a:cxn>
+              <a:cxn ang="0">
+                <a:pos x="connsiteX3" y="connsiteY3"/>
+              </a:cxn>
+              <a:cxn ang="0">
+                <a:pos x="connsiteX4" y="connsiteY4"/>
+              </a:cxn>
+              <a:cxn ang="0">
+                <a:pos x="connsiteX5" y="connsiteY5"/>
+              </a:cxn>
+              <a:cxn ang="0">
+                <a:pos x="connsiteX6" y="connsiteY6"/>
+              </a:cxn>
+              <a:cxn ang="0">
+                <a:pos x="connsiteX7" y="connsiteY7"/>
+              </a:cxn>
+              <a:cxn ang="0">
+                <a:pos x="connsiteX8" y="connsiteY8"/>
+              </a:cxn>
+              <a:cxn ang="0">
+                <a:pos x="connsiteX9" y="connsiteY9"/>
+              </a:cxn>
+              <a:cxn ang="0">
+                <a:pos x="connsiteX10" y="connsiteY10"/>
+              </a:cxn>
+              <a:cxn ang="0">
+                <a:pos x="connsiteX11" y="connsiteY11"/>
+              </a:cxn>
+              <a:cxn ang="0">
+                <a:pos x="connsiteX12" y="connsiteY12"/>
+              </a:cxn>
+              <a:cxn ang="0">
+                <a:pos x="connsiteX13" y="connsiteY13"/>
+              </a:cxn>
+              <a:cxn ang="0">
+                <a:pos x="connsiteX14" y="connsiteY14"/>
+              </a:cxn>
+            </a:cxnLst>
+            <a:rect l="l" t="t" r="r" b="b"/>
+            <a:pathLst>
+              <a:path w="5317656" h="3336981">
+                <a:moveTo>
+                  <a:pt x="4037" y="2404319"/>
+                </a:moveTo>
+                <a:cubicBezTo>
+                  <a:pt x="-11912" y="2581528"/>
+                  <a:pt x="16441" y="3059993"/>
+                  <a:pt x="142260" y="3212393"/>
+                </a:cubicBezTo>
+                <a:cubicBezTo>
+                  <a:pt x="268079" y="3364793"/>
+                  <a:pt x="539209" y="3345300"/>
+                  <a:pt x="758949" y="3318719"/>
+                </a:cubicBezTo>
+                <a:cubicBezTo>
+                  <a:pt x="978689" y="3292138"/>
+                  <a:pt x="1200200" y="3219482"/>
+                  <a:pt x="1460698" y="3052905"/>
+                </a:cubicBezTo>
+                <a:cubicBezTo>
+                  <a:pt x="1721196" y="2886328"/>
+                  <a:pt x="2321935" y="2319258"/>
+                  <a:pt x="2321935" y="2319258"/>
+                </a:cubicBezTo>
+                <a:cubicBezTo>
+                  <a:pt x="2630279" y="2056988"/>
+                  <a:pt x="2906726" y="1668900"/>
+                  <a:pt x="3310763" y="1479286"/>
+                </a:cubicBezTo>
+                <a:cubicBezTo>
+                  <a:pt x="3714800" y="1289672"/>
+                  <a:pt x="4418321" y="1296761"/>
+                  <a:pt x="4746158" y="1181575"/>
+                </a:cubicBezTo>
+                <a:cubicBezTo>
+                  <a:pt x="5073995" y="1066389"/>
+                  <a:pt x="5198042" y="956519"/>
+                  <a:pt x="5277786" y="788170"/>
+                </a:cubicBezTo>
+                <a:cubicBezTo>
+                  <a:pt x="5357530" y="619821"/>
+                  <a:pt x="5306139" y="302617"/>
+                  <a:pt x="5224623" y="171482"/>
+                </a:cubicBezTo>
+                <a:cubicBezTo>
+                  <a:pt x="5143107" y="40347"/>
+                  <a:pt x="4967669" y="11994"/>
+                  <a:pt x="4788688" y="1361"/>
+                </a:cubicBezTo>
+                <a:cubicBezTo>
+                  <a:pt x="4609707" y="-9272"/>
+                  <a:pt x="4397056" y="43891"/>
+                  <a:pt x="4150735" y="107686"/>
+                </a:cubicBezTo>
+                <a:cubicBezTo>
+                  <a:pt x="3904414" y="171481"/>
+                  <a:pt x="3771507" y="178570"/>
+                  <a:pt x="3310763" y="384133"/>
+                </a:cubicBezTo>
+                <a:cubicBezTo>
+                  <a:pt x="2850019" y="589696"/>
+                  <a:pt x="1898405" y="1046896"/>
+                  <a:pt x="1386270" y="1341063"/>
+                </a:cubicBezTo>
+                <a:cubicBezTo>
+                  <a:pt x="874135" y="1635230"/>
+                  <a:pt x="461237" y="1968384"/>
+                  <a:pt x="237953" y="2149137"/>
+                </a:cubicBezTo>
+                <a:cubicBezTo>
+                  <a:pt x="14669" y="2329890"/>
+                  <a:pt x="19986" y="2227110"/>
+                  <a:pt x="4037" y="2404319"/>
+                </a:cubicBezTo>
+                <a:close/>
+              </a:path>
+            </a:pathLst>
+          </a:custGeom>
+          <a:noFill/>
+          <a:ln w="28575">
+            <a:solidFill>
+              <a:srgbClr val="FF0000"/>
+            </a:solidFill>
+          </a:ln>
+        </p:spPr>
+        <p:style>
+          <a:lnRef idx="2">
+            <a:schemeClr val="accent1">
+              <a:shade val="15000"/>
+            </a:schemeClr>
+          </a:lnRef>
+          <a:fillRef idx="1">
+            <a:schemeClr val="accent1"/>
+          </a:fillRef>
+          <a:effectRef idx="0">
+            <a:schemeClr val="accent1"/>
+          </a:effectRef>
+          <a:fontRef idx="minor">
+            <a:schemeClr val="lt1"/>
+          </a:fontRef>
+        </p:style>
+        <p:txBody>
+          <a:bodyPr rtlCol="0" anchor="ctr"/>
           <a:lstStyle/>
           <a:p>
-            <a:endParaRPr lang="en-US" dirty="0"/>
+            <a:pPr algn="ctr"/>
+            <a:endParaRPr lang="en-US"/>
+          </a:p>
+        </p:txBody>
+      </p:sp>
+      <p:sp>
+        <p:nvSpPr>
+          <p:cNvPr id="19" name="Freeform: Shape 18">
+            <a:extLst>
+              <a:ext uri="{FF2B5EF4-FFF2-40B4-BE49-F238E27FC236}">
+                <a16:creationId xmlns:a16="http://schemas.microsoft.com/office/drawing/2014/main" id="{09E3CC17-FBF3-11DC-FF67-4177CFCF026C}"/>
+              </a:ext>
+            </a:extLst>
+          </p:cNvPr>
+          <p:cNvSpPr/>
+          <p:nvPr/>
+        </p:nvSpPr>
+        <p:spPr>
+          <a:xfrm>
+            <a:off x="5150434" y="2692033"/>
+            <a:ext cx="5416189" cy="3800842"/>
+          </a:xfrm>
+          <a:custGeom>
+            <a:avLst/>
+            <a:gdLst>
+              <a:gd name="connsiteX0" fmla="*/ 272171 w 5416189"/>
+              <a:gd name="connsiteY0" fmla="*/ 3600029 h 3800842"/>
+              <a:gd name="connsiteX1" fmla="*/ 2388050 w 5416189"/>
+              <a:gd name="connsiteY1" fmla="*/ 3631927 h 3800842"/>
+              <a:gd name="connsiteX2" fmla="*/ 3557631 w 5416189"/>
+              <a:gd name="connsiteY2" fmla="*/ 1516048 h 3800842"/>
+              <a:gd name="connsiteX3" fmla="*/ 5333268 w 5416189"/>
+              <a:gd name="connsiteY3" fmla="*/ 782401 h 3800842"/>
+              <a:gd name="connsiteX4" fmla="*/ 5046189 w 5416189"/>
+              <a:gd name="connsiteY4" fmla="*/ 112550 h 3800842"/>
+              <a:gd name="connsiteX5" fmla="*/ 4355073 w 5416189"/>
+              <a:gd name="connsiteY5" fmla="*/ 48755 h 3800842"/>
+              <a:gd name="connsiteX6" fmla="*/ 3376878 w 5416189"/>
+              <a:gd name="connsiteY6" fmla="*/ 612280 h 3800842"/>
+              <a:gd name="connsiteX7" fmla="*/ 2313622 w 5416189"/>
+              <a:gd name="connsiteY7" fmla="*/ 1420355 h 3800842"/>
+              <a:gd name="connsiteX8" fmla="*/ 1952115 w 5416189"/>
+              <a:gd name="connsiteY8" fmla="*/ 2313489 h 3800842"/>
+              <a:gd name="connsiteX9" fmla="*/ 1250366 w 5416189"/>
+              <a:gd name="connsiteY9" fmla="*/ 2632466 h 3800842"/>
+              <a:gd name="connsiteX10" fmla="*/ 250906 w 5416189"/>
+              <a:gd name="connsiteY10" fmla="*/ 2706894 h 3800842"/>
+              <a:gd name="connsiteX11" fmla="*/ 27622 w 5416189"/>
+              <a:gd name="connsiteY11" fmla="*/ 3036503 h 3800842"/>
+              <a:gd name="connsiteX12" fmla="*/ 272171 w 5416189"/>
+              <a:gd name="connsiteY12" fmla="*/ 3600029 h 3800842"/>
+            </a:gdLst>
+            <a:ahLst/>
+            <a:cxnLst>
+              <a:cxn ang="0">
+                <a:pos x="connsiteX0" y="connsiteY0"/>
+              </a:cxn>
+              <a:cxn ang="0">
+                <a:pos x="connsiteX1" y="connsiteY1"/>
+              </a:cxn>
+              <a:cxn ang="0">
+                <a:pos x="connsiteX2" y="connsiteY2"/>
+              </a:cxn>
+              <a:cxn ang="0">
+                <a:pos x="connsiteX3" y="connsiteY3"/>
+              </a:cxn>
+              <a:cxn ang="0">
+                <a:pos x="connsiteX4" y="connsiteY4"/>
+              </a:cxn>
+              <a:cxn ang="0">
+                <a:pos x="connsiteX5" y="connsiteY5"/>
+              </a:cxn>
+              <a:cxn ang="0">
+                <a:pos x="connsiteX6" y="connsiteY6"/>
+              </a:cxn>
+              <a:cxn ang="0">
+                <a:pos x="connsiteX7" y="connsiteY7"/>
+              </a:cxn>
+              <a:cxn ang="0">
+                <a:pos x="connsiteX8" y="connsiteY8"/>
+              </a:cxn>
+              <a:cxn ang="0">
+                <a:pos x="connsiteX9" y="connsiteY9"/>
+              </a:cxn>
+              <a:cxn ang="0">
+                <a:pos x="connsiteX10" y="connsiteY10"/>
+              </a:cxn>
+              <a:cxn ang="0">
+                <a:pos x="connsiteX11" y="connsiteY11"/>
+              </a:cxn>
+              <a:cxn ang="0">
+                <a:pos x="connsiteX12" y="connsiteY12"/>
+              </a:cxn>
+            </a:cxnLst>
+            <a:rect l="l" t="t" r="r" b="b"/>
+            <a:pathLst>
+              <a:path w="5416189" h="3800842">
+                <a:moveTo>
+                  <a:pt x="272171" y="3600029"/>
+                </a:moveTo>
+                <a:cubicBezTo>
+                  <a:pt x="665576" y="3699266"/>
+                  <a:pt x="1840473" y="3979257"/>
+                  <a:pt x="2388050" y="3631927"/>
+                </a:cubicBezTo>
+                <a:cubicBezTo>
+                  <a:pt x="2935627" y="3284597"/>
+                  <a:pt x="3066761" y="1990969"/>
+                  <a:pt x="3557631" y="1516048"/>
+                </a:cubicBezTo>
+                <a:cubicBezTo>
+                  <a:pt x="4048501" y="1041127"/>
+                  <a:pt x="5085175" y="1016317"/>
+                  <a:pt x="5333268" y="782401"/>
+                </a:cubicBezTo>
+                <a:cubicBezTo>
+                  <a:pt x="5581361" y="548485"/>
+                  <a:pt x="5209222" y="234824"/>
+                  <a:pt x="5046189" y="112550"/>
+                </a:cubicBezTo>
+                <a:cubicBezTo>
+                  <a:pt x="4883157" y="-9724"/>
+                  <a:pt x="4633292" y="-34533"/>
+                  <a:pt x="4355073" y="48755"/>
+                </a:cubicBezTo>
+                <a:cubicBezTo>
+                  <a:pt x="4076855" y="132043"/>
+                  <a:pt x="3717120" y="383680"/>
+                  <a:pt x="3376878" y="612280"/>
+                </a:cubicBezTo>
+                <a:cubicBezTo>
+                  <a:pt x="3036636" y="840880"/>
+                  <a:pt x="2551082" y="1136820"/>
+                  <a:pt x="2313622" y="1420355"/>
+                </a:cubicBezTo>
+                <a:cubicBezTo>
+                  <a:pt x="2076162" y="1703890"/>
+                  <a:pt x="2129324" y="2111470"/>
+                  <a:pt x="1952115" y="2313489"/>
+                </a:cubicBezTo>
+                <a:cubicBezTo>
+                  <a:pt x="1774906" y="2515507"/>
+                  <a:pt x="1533901" y="2566898"/>
+                  <a:pt x="1250366" y="2632466"/>
+                </a:cubicBezTo>
+                <a:cubicBezTo>
+                  <a:pt x="966831" y="2698033"/>
+                  <a:pt x="454697" y="2639554"/>
+                  <a:pt x="250906" y="2706894"/>
+                </a:cubicBezTo>
+                <a:cubicBezTo>
+                  <a:pt x="47115" y="2774234"/>
+                  <a:pt x="27622" y="2887647"/>
+                  <a:pt x="27622" y="3036503"/>
+                </a:cubicBezTo>
+                <a:cubicBezTo>
+                  <a:pt x="27622" y="3185359"/>
+                  <a:pt x="-121234" y="3500792"/>
+                  <a:pt x="272171" y="3600029"/>
+                </a:cubicBezTo>
+                <a:close/>
+              </a:path>
+            </a:pathLst>
+          </a:custGeom>
+          <a:noFill/>
+          <a:ln w="28575">
+            <a:solidFill>
+              <a:schemeClr val="accent3">
+                <a:lumMod val="60000"/>
+                <a:lumOff val="40000"/>
+              </a:schemeClr>
+            </a:solidFill>
+          </a:ln>
+        </p:spPr>
+        <p:style>
+          <a:lnRef idx="2">
+            <a:schemeClr val="accent1">
+              <a:shade val="15000"/>
+            </a:schemeClr>
+          </a:lnRef>
+          <a:fillRef idx="1">
+            <a:schemeClr val="accent1"/>
+          </a:fillRef>
+          <a:effectRef idx="0">
+            <a:schemeClr val="accent1"/>
+          </a:effectRef>
+          <a:fontRef idx="minor">
+            <a:schemeClr val="lt1"/>
+          </a:fontRef>
+        </p:style>
+        <p:txBody>
+          <a:bodyPr rtlCol="0" anchor="ctr"/>
+          <a:lstStyle/>
+          <a:p>
+            <a:pPr algn="ctr"/>
+            <a:endParaRPr lang="en-US"/>
+          </a:p>
+        </p:txBody>
+      </p:sp>
+      <p:sp>
+        <p:nvSpPr>
+          <p:cNvPr id="20" name="Freeform: Shape 19">
+            <a:extLst>
+              <a:ext uri="{FF2B5EF4-FFF2-40B4-BE49-F238E27FC236}">
+                <a16:creationId xmlns:a16="http://schemas.microsoft.com/office/drawing/2014/main" id="{D6EAEBC6-E492-B6DC-4DE0-6865C5C1882F}"/>
+              </a:ext>
+            </a:extLst>
+          </p:cNvPr>
+          <p:cNvSpPr/>
+          <p:nvPr/>
+        </p:nvSpPr>
+        <p:spPr>
+          <a:xfrm>
+            <a:off x="9210820" y="3889758"/>
+            <a:ext cx="1129053" cy="2518184"/>
+          </a:xfrm>
+          <a:custGeom>
+            <a:avLst/>
+            <a:gdLst>
+              <a:gd name="connsiteX0" fmla="*/ 7608 w 1129053"/>
+              <a:gd name="connsiteY0" fmla="*/ 616034 h 2518184"/>
+              <a:gd name="connsiteX1" fmla="*/ 60771 w 1129053"/>
+              <a:gd name="connsiteY1" fmla="*/ 2115225 h 2518184"/>
+              <a:gd name="connsiteX2" fmla="*/ 390380 w 1129053"/>
+              <a:gd name="connsiteY2" fmla="*/ 2508630 h 2518184"/>
+              <a:gd name="connsiteX3" fmla="*/ 953906 w 1129053"/>
+              <a:gd name="connsiteY3" fmla="*/ 2327876 h 2518184"/>
+              <a:gd name="connsiteX4" fmla="*/ 1124027 w 1129053"/>
+              <a:gd name="connsiteY4" fmla="*/ 1594230 h 2518184"/>
+              <a:gd name="connsiteX5" fmla="*/ 1049599 w 1129053"/>
+              <a:gd name="connsiteY5" fmla="*/ 424648 h 2518184"/>
+              <a:gd name="connsiteX6" fmla="*/ 709357 w 1129053"/>
+              <a:gd name="connsiteY6" fmla="*/ 9978 h 2518184"/>
+              <a:gd name="connsiteX7" fmla="*/ 156464 w 1129053"/>
+              <a:gd name="connsiteY7" fmla="*/ 169467 h 2518184"/>
+              <a:gd name="connsiteX8" fmla="*/ 7608 w 1129053"/>
+              <a:gd name="connsiteY8" fmla="*/ 616034 h 2518184"/>
+            </a:gdLst>
+            <a:ahLst/>
+            <a:cxnLst>
+              <a:cxn ang="0">
+                <a:pos x="connsiteX0" y="connsiteY0"/>
+              </a:cxn>
+              <a:cxn ang="0">
+                <a:pos x="connsiteX1" y="connsiteY1"/>
+              </a:cxn>
+              <a:cxn ang="0">
+                <a:pos x="connsiteX2" y="connsiteY2"/>
+              </a:cxn>
+              <a:cxn ang="0">
+                <a:pos x="connsiteX3" y="connsiteY3"/>
+              </a:cxn>
+              <a:cxn ang="0">
+                <a:pos x="connsiteX4" y="connsiteY4"/>
+              </a:cxn>
+              <a:cxn ang="0">
+                <a:pos x="connsiteX5" y="connsiteY5"/>
+              </a:cxn>
+              <a:cxn ang="0">
+                <a:pos x="connsiteX6" y="connsiteY6"/>
+              </a:cxn>
+              <a:cxn ang="0">
+                <a:pos x="connsiteX7" y="connsiteY7"/>
+              </a:cxn>
+              <a:cxn ang="0">
+                <a:pos x="connsiteX8" y="connsiteY8"/>
+              </a:cxn>
+            </a:cxnLst>
+            <a:rect l="l" t="t" r="r" b="b"/>
+            <a:pathLst>
+              <a:path w="1129053" h="2518184">
+                <a:moveTo>
+                  <a:pt x="7608" y="616034"/>
+                </a:moveTo>
+                <a:cubicBezTo>
+                  <a:pt x="-8341" y="940327"/>
+                  <a:pt x="-3024" y="1799793"/>
+                  <a:pt x="60771" y="2115225"/>
+                </a:cubicBezTo>
+                <a:cubicBezTo>
+                  <a:pt x="124566" y="2430657"/>
+                  <a:pt x="241524" y="2473188"/>
+                  <a:pt x="390380" y="2508630"/>
+                </a:cubicBezTo>
+                <a:cubicBezTo>
+                  <a:pt x="539236" y="2544072"/>
+                  <a:pt x="831632" y="2480276"/>
+                  <a:pt x="953906" y="2327876"/>
+                </a:cubicBezTo>
+                <a:cubicBezTo>
+                  <a:pt x="1076181" y="2175476"/>
+                  <a:pt x="1108078" y="1911435"/>
+                  <a:pt x="1124027" y="1594230"/>
+                </a:cubicBezTo>
+                <a:cubicBezTo>
+                  <a:pt x="1139976" y="1277025"/>
+                  <a:pt x="1118711" y="688690"/>
+                  <a:pt x="1049599" y="424648"/>
+                </a:cubicBezTo>
+                <a:cubicBezTo>
+                  <a:pt x="980487" y="160606"/>
+                  <a:pt x="858213" y="52508"/>
+                  <a:pt x="709357" y="9978"/>
+                </a:cubicBezTo>
+                <a:cubicBezTo>
+                  <a:pt x="560501" y="-32552"/>
+                  <a:pt x="269878" y="68458"/>
+                  <a:pt x="156464" y="169467"/>
+                </a:cubicBezTo>
+                <a:cubicBezTo>
+                  <a:pt x="43050" y="270476"/>
+                  <a:pt x="23557" y="291741"/>
+                  <a:pt x="7608" y="616034"/>
+                </a:cubicBezTo>
+                <a:close/>
+              </a:path>
+            </a:pathLst>
+          </a:custGeom>
+          <a:noFill/>
+          <a:ln w="28575">
+            <a:solidFill>
+              <a:schemeClr val="accent5">
+                <a:lumMod val="60000"/>
+                <a:lumOff val="40000"/>
+              </a:schemeClr>
+            </a:solidFill>
+          </a:ln>
+        </p:spPr>
+        <p:style>
+          <a:lnRef idx="2">
+            <a:schemeClr val="accent1">
+              <a:shade val="15000"/>
+            </a:schemeClr>
+          </a:lnRef>
+          <a:fillRef idx="1">
+            <a:schemeClr val="accent1"/>
+          </a:fillRef>
+          <a:effectRef idx="0">
+            <a:schemeClr val="accent1"/>
+          </a:effectRef>
+          <a:fontRef idx="minor">
+            <a:schemeClr val="lt1"/>
+          </a:fontRef>
+        </p:style>
+        <p:txBody>
+          <a:bodyPr rtlCol="0" anchor="ctr"/>
+          <a:lstStyle/>
+          <a:p>
+            <a:pPr algn="ctr"/>
+            <a:endParaRPr lang="en-US"/>
+          </a:p>
+        </p:txBody>
+      </p:sp>
+      <p:sp>
+        <p:nvSpPr>
+          <p:cNvPr id="21" name="TextBox 20">
+            <a:extLst>
+              <a:ext uri="{FF2B5EF4-FFF2-40B4-BE49-F238E27FC236}">
+                <a16:creationId xmlns:a16="http://schemas.microsoft.com/office/drawing/2014/main" id="{77B12B77-B4B0-E445-BF6C-471EEC50153B}"/>
+              </a:ext>
+            </a:extLst>
+          </p:cNvPr>
+          <p:cNvSpPr txBox="1"/>
+          <p:nvPr/>
+        </p:nvSpPr>
+        <p:spPr>
+          <a:xfrm>
+            <a:off x="4703903" y="3304983"/>
+            <a:ext cx="446531" cy="584775"/>
+          </a:xfrm>
+          <a:prstGeom prst="rect">
+            <a:avLst/>
+          </a:prstGeom>
+          <a:noFill/>
+        </p:spPr>
+        <p:txBody>
+          <a:bodyPr wrap="square" rtlCol="0">
+            <a:spAutoFit/>
+          </a:bodyPr>
+          <a:lstStyle/>
+          <a:p>
+            <a:r>
+              <a:rPr lang="en-US" sz="3200" b="1" dirty="0"/>
+              <a:t>3</a:t>
+            </a:r>
+            <a:endParaRPr lang="en-US" b="1" dirty="0"/>
+          </a:p>
+        </p:txBody>
+      </p:sp>
+      <p:sp>
+        <p:nvSpPr>
+          <p:cNvPr id="22" name="TextBox 21">
+            <a:extLst>
+              <a:ext uri="{FF2B5EF4-FFF2-40B4-BE49-F238E27FC236}">
+                <a16:creationId xmlns:a16="http://schemas.microsoft.com/office/drawing/2014/main" id="{050CCF24-6B84-FF37-88F5-F908D530B0E2}"/>
+              </a:ext>
+            </a:extLst>
+          </p:cNvPr>
+          <p:cNvSpPr txBox="1"/>
+          <p:nvPr/>
+        </p:nvSpPr>
+        <p:spPr>
+          <a:xfrm>
+            <a:off x="4517264" y="5499081"/>
+            <a:ext cx="446531" cy="584775"/>
+          </a:xfrm>
+          <a:prstGeom prst="rect">
+            <a:avLst/>
+          </a:prstGeom>
+          <a:noFill/>
+        </p:spPr>
+        <p:txBody>
+          <a:bodyPr wrap="square" rtlCol="0">
+            <a:spAutoFit/>
+          </a:bodyPr>
+          <a:lstStyle/>
+          <a:p>
+            <a:r>
+              <a:rPr lang="en-US" sz="3200" b="1" dirty="0"/>
+              <a:t>4</a:t>
+            </a:r>
+            <a:endParaRPr lang="en-US" b="1" dirty="0"/>
+          </a:p>
+        </p:txBody>
+      </p:sp>
+      <p:sp>
+        <p:nvSpPr>
+          <p:cNvPr id="23" name="TextBox 22">
+            <a:extLst>
+              <a:ext uri="{FF2B5EF4-FFF2-40B4-BE49-F238E27FC236}">
+                <a16:creationId xmlns:a16="http://schemas.microsoft.com/office/drawing/2014/main" id="{BA76C705-02E3-A3CB-A30C-568A49D2109C}"/>
+              </a:ext>
+            </a:extLst>
+          </p:cNvPr>
+          <p:cNvSpPr txBox="1"/>
+          <p:nvPr/>
+        </p:nvSpPr>
+        <p:spPr>
+          <a:xfrm>
+            <a:off x="10399202" y="4782258"/>
+            <a:ext cx="448680" cy="584775"/>
+          </a:xfrm>
+          <a:prstGeom prst="rect">
+            <a:avLst/>
+          </a:prstGeom>
+          <a:noFill/>
+        </p:spPr>
+        <p:txBody>
+          <a:bodyPr wrap="square" rtlCol="0">
+            <a:spAutoFit/>
+          </a:bodyPr>
+          <a:lstStyle/>
+          <a:p>
+            <a:r>
+              <a:rPr lang="en-US" sz="3200" b="1" dirty="0"/>
+              <a:t>2</a:t>
+            </a:r>
+            <a:endParaRPr lang="en-US" b="1" dirty="0"/>
+          </a:p>
+        </p:txBody>
+      </p:sp>
+      <p:sp>
+        <p:nvSpPr>
+          <p:cNvPr id="24" name="TextBox 23">
+            <a:extLst>
+              <a:ext uri="{FF2B5EF4-FFF2-40B4-BE49-F238E27FC236}">
+                <a16:creationId xmlns:a16="http://schemas.microsoft.com/office/drawing/2014/main" id="{44BC99A2-3871-418C-3959-87A845F883A2}"/>
+              </a:ext>
+            </a:extLst>
+          </p:cNvPr>
+          <p:cNvSpPr txBox="1"/>
+          <p:nvPr/>
+        </p:nvSpPr>
+        <p:spPr>
+          <a:xfrm>
+            <a:off x="3641017" y="3284388"/>
+            <a:ext cx="1641074" cy="584775"/>
+          </a:xfrm>
+          <a:prstGeom prst="rect">
+            <a:avLst/>
+          </a:prstGeom>
+          <a:noFill/>
+        </p:spPr>
+        <p:txBody>
+          <a:bodyPr wrap="square" rtlCol="0">
+            <a:spAutoFit/>
+          </a:bodyPr>
+          <a:lstStyle/>
+          <a:p>
+            <a:r>
+              <a:rPr lang="en-US" sz="3200" b="1" dirty="0"/>
+              <a:t>3 + 1 - 1</a:t>
+            </a:r>
+          </a:p>
+        </p:txBody>
+      </p:sp>
+      <p:sp>
+        <p:nvSpPr>
+          <p:cNvPr id="25" name="TextBox 24">
+            <a:extLst>
+              <a:ext uri="{FF2B5EF4-FFF2-40B4-BE49-F238E27FC236}">
+                <a16:creationId xmlns:a16="http://schemas.microsoft.com/office/drawing/2014/main" id="{7A39994A-CFFF-6EDC-4CB1-BB8CD4A25C07}"/>
+              </a:ext>
+            </a:extLst>
+          </p:cNvPr>
+          <p:cNvSpPr txBox="1"/>
+          <p:nvPr/>
+        </p:nvSpPr>
+        <p:spPr>
+          <a:xfrm rot="10800000" flipV="1">
+            <a:off x="3652022" y="5533216"/>
+            <a:ext cx="1796738" cy="584775"/>
+          </a:xfrm>
+          <a:prstGeom prst="rect">
+            <a:avLst/>
+          </a:prstGeom>
+          <a:noFill/>
+        </p:spPr>
+        <p:txBody>
+          <a:bodyPr wrap="square" rtlCol="0">
+            <a:spAutoFit/>
+          </a:bodyPr>
+          <a:lstStyle/>
+          <a:p>
+            <a:r>
+              <a:rPr lang="en-US" sz="3200" b="1" dirty="0"/>
+              <a:t>4 + 2 - 1</a:t>
+            </a:r>
+            <a:endParaRPr lang="en-US" b="1" dirty="0"/>
+          </a:p>
+        </p:txBody>
+      </p:sp>
+      <p:sp>
+        <p:nvSpPr>
+          <p:cNvPr id="26" name="TextBox 25">
+            <a:extLst>
+              <a:ext uri="{FF2B5EF4-FFF2-40B4-BE49-F238E27FC236}">
+                <a16:creationId xmlns:a16="http://schemas.microsoft.com/office/drawing/2014/main" id="{2C5367EB-1387-3052-290F-6EBF9B83C724}"/>
+              </a:ext>
+            </a:extLst>
+          </p:cNvPr>
+          <p:cNvSpPr txBox="1"/>
+          <p:nvPr/>
+        </p:nvSpPr>
+        <p:spPr>
+          <a:xfrm>
+            <a:off x="10382509" y="4765317"/>
+            <a:ext cx="1641074" cy="584775"/>
+          </a:xfrm>
+          <a:prstGeom prst="rect">
+            <a:avLst/>
+          </a:prstGeom>
+          <a:noFill/>
+        </p:spPr>
+        <p:txBody>
+          <a:bodyPr wrap="square" rtlCol="0">
+            <a:spAutoFit/>
+          </a:bodyPr>
+          <a:lstStyle/>
+          <a:p>
+            <a:r>
+              <a:rPr lang="en-US" sz="3200" b="1" dirty="0"/>
+              <a:t>2 + 3 - 1</a:t>
+            </a:r>
+            <a:endParaRPr lang="en-US" b="1" dirty="0"/>
           </a:p>
         </p:txBody>
       </p:sp>
     </p:spTree>
     <p:extLst>
       <p:ext uri="{BB962C8B-B14F-4D97-AF65-F5344CB8AC3E}">
-        <p14:creationId xmlns:p14="http://schemas.microsoft.com/office/powerpoint/2010/main" val="323320306"/>
+        <p14:creationId xmlns:p14="http://schemas.microsoft.com/office/powerpoint/2010/main" val="1318239970"/>
       </p:ext>
     </p:extLst>
   </p:cSld>
   <p:clrMapOvr>
     <a:masterClrMapping/>
   </p:clrMapOvr>
+  <p:timing>
+    <p:tnLst>
+      <p:par>
+        <p:cTn id="1" dur="indefinite" restart="never" nodeType="tmRoot">
+          <p:childTnLst>
+            <p:seq concurrent="1" nextAc="seek">
+              <p:cTn id="2" dur="indefinite" nodeType="mainSeq">
+                <p:childTnLst>
+                  <p:par>
+                    <p:cTn id="3" fill="hold">
+                      <p:stCondLst>
+                        <p:cond delay="indefinite"/>
+                      </p:stCondLst>
+                      <p:childTnLst>
+                        <p:par>
+                          <p:cTn id="4" fill="hold">
+                            <p:stCondLst>
+                              <p:cond delay="0"/>
+                            </p:stCondLst>
+                            <p:childTnLst>
+                              <p:par>
+                                <p:cTn id="5" presetID="1" presetClass="entr" presetSubtype="0" fill="hold" grpId="0" nodeType="clickEffect">
+                                  <p:stCondLst>
+                                    <p:cond delay="0"/>
+                                  </p:stCondLst>
+                                  <p:childTnLst>
+                                    <p:set>
+                                      <p:cBhvr>
+                                        <p:cTn id="6" dur="1" fill="hold">
+                                          <p:stCondLst>
+                                            <p:cond delay="0"/>
+                                          </p:stCondLst>
+                                        </p:cTn>
+                                        <p:tgtEl>
+                                          <p:spTgt spid="16"/>
+                                        </p:tgtEl>
+                                        <p:attrNameLst>
+                                          <p:attrName>style.visibility</p:attrName>
+                                        </p:attrNameLst>
+                                      </p:cBhvr>
+                                      <p:to>
+                                        <p:strVal val="visible"/>
+                                      </p:to>
+                                    </p:set>
+                                  </p:childTnLst>
+                                </p:cTn>
+                              </p:par>
+                              <p:par>
+                                <p:cTn id="7" presetID="1" presetClass="entr" presetSubtype="0" fill="hold" grpId="0" nodeType="withEffect">
+                                  <p:stCondLst>
+                                    <p:cond delay="0"/>
+                                  </p:stCondLst>
+                                  <p:childTnLst>
+                                    <p:set>
+                                      <p:cBhvr>
+                                        <p:cTn id="8" dur="1" fill="hold">
+                                          <p:stCondLst>
+                                            <p:cond delay="0"/>
+                                          </p:stCondLst>
+                                        </p:cTn>
+                                        <p:tgtEl>
+                                          <p:spTgt spid="21"/>
+                                        </p:tgtEl>
+                                        <p:attrNameLst>
+                                          <p:attrName>style.visibility</p:attrName>
+                                        </p:attrNameLst>
+                                      </p:cBhvr>
+                                      <p:to>
+                                        <p:strVal val="visible"/>
+                                      </p:to>
+                                    </p:set>
+                                  </p:childTnLst>
+                                </p:cTn>
+                              </p:par>
+                            </p:childTnLst>
+                          </p:cTn>
+                        </p:par>
+                      </p:childTnLst>
+                    </p:cTn>
+                  </p:par>
+                  <p:par>
+                    <p:cTn id="9" fill="hold">
+                      <p:stCondLst>
+                        <p:cond delay="indefinite"/>
+                      </p:stCondLst>
+                      <p:childTnLst>
+                        <p:par>
+                          <p:cTn id="10" fill="hold">
+                            <p:stCondLst>
+                              <p:cond delay="0"/>
+                            </p:stCondLst>
+                            <p:childTnLst>
+                              <p:par>
+                                <p:cTn id="11" presetID="1" presetClass="entr" presetSubtype="0" fill="hold" grpId="0" nodeType="clickEffect">
+                                  <p:stCondLst>
+                                    <p:cond delay="0"/>
+                                  </p:stCondLst>
+                                  <p:childTnLst>
+                                    <p:set>
+                                      <p:cBhvr>
+                                        <p:cTn id="12" dur="1" fill="hold">
+                                          <p:stCondLst>
+                                            <p:cond delay="0"/>
+                                          </p:stCondLst>
+                                        </p:cTn>
+                                        <p:tgtEl>
+                                          <p:spTgt spid="19"/>
+                                        </p:tgtEl>
+                                        <p:attrNameLst>
+                                          <p:attrName>style.visibility</p:attrName>
+                                        </p:attrNameLst>
+                                      </p:cBhvr>
+                                      <p:to>
+                                        <p:strVal val="visible"/>
+                                      </p:to>
+                                    </p:set>
+                                  </p:childTnLst>
+                                </p:cTn>
+                              </p:par>
+                              <p:par>
+                                <p:cTn id="13" presetID="1" presetClass="entr" presetSubtype="0" fill="hold" grpId="0" nodeType="withEffect">
+                                  <p:stCondLst>
+                                    <p:cond delay="0"/>
+                                  </p:stCondLst>
+                                  <p:childTnLst>
+                                    <p:set>
+                                      <p:cBhvr>
+                                        <p:cTn id="14" dur="1" fill="hold">
+                                          <p:stCondLst>
+                                            <p:cond delay="0"/>
+                                          </p:stCondLst>
+                                        </p:cTn>
+                                        <p:tgtEl>
+                                          <p:spTgt spid="22"/>
+                                        </p:tgtEl>
+                                        <p:attrNameLst>
+                                          <p:attrName>style.visibility</p:attrName>
+                                        </p:attrNameLst>
+                                      </p:cBhvr>
+                                      <p:to>
+                                        <p:strVal val="visible"/>
+                                      </p:to>
+                                    </p:set>
+                                  </p:childTnLst>
+                                </p:cTn>
+                              </p:par>
+                            </p:childTnLst>
+                          </p:cTn>
+                        </p:par>
+                      </p:childTnLst>
+                    </p:cTn>
+                  </p:par>
+                  <p:par>
+                    <p:cTn id="15" fill="hold">
+                      <p:stCondLst>
+                        <p:cond delay="indefinite"/>
+                      </p:stCondLst>
+                      <p:childTnLst>
+                        <p:par>
+                          <p:cTn id="16" fill="hold">
+                            <p:stCondLst>
+                              <p:cond delay="0"/>
+                            </p:stCondLst>
+                            <p:childTnLst>
+                              <p:par>
+                                <p:cTn id="17" presetID="1" presetClass="entr" presetSubtype="0" fill="hold" grpId="0" nodeType="clickEffect">
+                                  <p:stCondLst>
+                                    <p:cond delay="0"/>
+                                  </p:stCondLst>
+                                  <p:childTnLst>
+                                    <p:set>
+                                      <p:cBhvr>
+                                        <p:cTn id="18" dur="1" fill="hold">
+                                          <p:stCondLst>
+                                            <p:cond delay="0"/>
+                                          </p:stCondLst>
+                                        </p:cTn>
+                                        <p:tgtEl>
+                                          <p:spTgt spid="20"/>
+                                        </p:tgtEl>
+                                        <p:attrNameLst>
+                                          <p:attrName>style.visibility</p:attrName>
+                                        </p:attrNameLst>
+                                      </p:cBhvr>
+                                      <p:to>
+                                        <p:strVal val="visible"/>
+                                      </p:to>
+                                    </p:set>
+                                  </p:childTnLst>
+                                </p:cTn>
+                              </p:par>
+                              <p:par>
+                                <p:cTn id="19" presetID="1" presetClass="entr" presetSubtype="0" fill="hold" grpId="0" nodeType="withEffect">
+                                  <p:stCondLst>
+                                    <p:cond delay="0"/>
+                                  </p:stCondLst>
+                                  <p:childTnLst>
+                                    <p:set>
+                                      <p:cBhvr>
+                                        <p:cTn id="20" dur="1" fill="hold">
+                                          <p:stCondLst>
+                                            <p:cond delay="0"/>
+                                          </p:stCondLst>
+                                        </p:cTn>
+                                        <p:tgtEl>
+                                          <p:spTgt spid="23"/>
+                                        </p:tgtEl>
+                                        <p:attrNameLst>
+                                          <p:attrName>style.visibility</p:attrName>
+                                        </p:attrNameLst>
+                                      </p:cBhvr>
+                                      <p:to>
+                                        <p:strVal val="visible"/>
+                                      </p:to>
+                                    </p:set>
+                                  </p:childTnLst>
+                                </p:cTn>
+                              </p:par>
+                            </p:childTnLst>
+                          </p:cTn>
+                        </p:par>
+                      </p:childTnLst>
+                    </p:cTn>
+                  </p:par>
+                  <p:par>
+                    <p:cTn id="21" fill="hold">
+                      <p:stCondLst>
+                        <p:cond delay="indefinite"/>
+                      </p:stCondLst>
+                      <p:childTnLst>
+                        <p:par>
+                          <p:cTn id="22" fill="hold">
+                            <p:stCondLst>
+                              <p:cond delay="0"/>
+                            </p:stCondLst>
+                            <p:childTnLst>
+                              <p:par>
+                                <p:cTn id="23" presetID="1" presetClass="exit" presetSubtype="0" fill="hold" grpId="1" nodeType="clickEffect">
+                                  <p:stCondLst>
+                                    <p:cond delay="0"/>
+                                  </p:stCondLst>
+                                  <p:childTnLst>
+                                    <p:set>
+                                      <p:cBhvr>
+                                        <p:cTn id="24" dur="1" fill="hold">
+                                          <p:stCondLst>
+                                            <p:cond delay="0"/>
+                                          </p:stCondLst>
+                                        </p:cTn>
+                                        <p:tgtEl>
+                                          <p:spTgt spid="21"/>
+                                        </p:tgtEl>
+                                        <p:attrNameLst>
+                                          <p:attrName>style.visibility</p:attrName>
+                                        </p:attrNameLst>
+                                      </p:cBhvr>
+                                      <p:to>
+                                        <p:strVal val="hidden"/>
+                                      </p:to>
+                                    </p:set>
+                                  </p:childTnLst>
+                                </p:cTn>
+                              </p:par>
+                              <p:par>
+                                <p:cTn id="25" presetID="1" presetClass="exit" presetSubtype="0" fill="hold" grpId="1" nodeType="withEffect">
+                                  <p:stCondLst>
+                                    <p:cond delay="0"/>
+                                  </p:stCondLst>
+                                  <p:childTnLst>
+                                    <p:set>
+                                      <p:cBhvr>
+                                        <p:cTn id="26" dur="1" fill="hold">
+                                          <p:stCondLst>
+                                            <p:cond delay="0"/>
+                                          </p:stCondLst>
+                                        </p:cTn>
+                                        <p:tgtEl>
+                                          <p:spTgt spid="23"/>
+                                        </p:tgtEl>
+                                        <p:attrNameLst>
+                                          <p:attrName>style.visibility</p:attrName>
+                                        </p:attrNameLst>
+                                      </p:cBhvr>
+                                      <p:to>
+                                        <p:strVal val="hidden"/>
+                                      </p:to>
+                                    </p:set>
+                                  </p:childTnLst>
+                                </p:cTn>
+                              </p:par>
+                              <p:par>
+                                <p:cTn id="27" presetID="1" presetClass="exit" presetSubtype="0" fill="hold" grpId="1" nodeType="withEffect">
+                                  <p:stCondLst>
+                                    <p:cond delay="0"/>
+                                  </p:stCondLst>
+                                  <p:childTnLst>
+                                    <p:set>
+                                      <p:cBhvr>
+                                        <p:cTn id="28" dur="1" fill="hold">
+                                          <p:stCondLst>
+                                            <p:cond delay="0"/>
+                                          </p:stCondLst>
+                                        </p:cTn>
+                                        <p:tgtEl>
+                                          <p:spTgt spid="22"/>
+                                        </p:tgtEl>
+                                        <p:attrNameLst>
+                                          <p:attrName>style.visibility</p:attrName>
+                                        </p:attrNameLst>
+                                      </p:cBhvr>
+                                      <p:to>
+                                        <p:strVal val="hidden"/>
+                                      </p:to>
+                                    </p:set>
+                                  </p:childTnLst>
+                                </p:cTn>
+                              </p:par>
+                              <p:par>
+                                <p:cTn id="29" presetID="1" presetClass="entr" presetSubtype="0" fill="hold" grpId="0" nodeType="withEffect">
+                                  <p:stCondLst>
+                                    <p:cond delay="0"/>
+                                  </p:stCondLst>
+                                  <p:childTnLst>
+                                    <p:set>
+                                      <p:cBhvr>
+                                        <p:cTn id="30" dur="1" fill="hold">
+                                          <p:stCondLst>
+                                            <p:cond delay="0"/>
+                                          </p:stCondLst>
+                                        </p:cTn>
+                                        <p:tgtEl>
+                                          <p:spTgt spid="24"/>
+                                        </p:tgtEl>
+                                        <p:attrNameLst>
+                                          <p:attrName>style.visibility</p:attrName>
+                                        </p:attrNameLst>
+                                      </p:cBhvr>
+                                      <p:to>
+                                        <p:strVal val="visible"/>
+                                      </p:to>
+                                    </p:set>
+                                  </p:childTnLst>
+                                </p:cTn>
+                              </p:par>
+                              <p:par>
+                                <p:cTn id="31" presetID="1" presetClass="entr" presetSubtype="0" fill="hold" grpId="0" nodeType="withEffect">
+                                  <p:stCondLst>
+                                    <p:cond delay="0"/>
+                                  </p:stCondLst>
+                                  <p:childTnLst>
+                                    <p:set>
+                                      <p:cBhvr>
+                                        <p:cTn id="32" dur="1" fill="hold">
+                                          <p:stCondLst>
+                                            <p:cond delay="0"/>
+                                          </p:stCondLst>
+                                        </p:cTn>
+                                        <p:tgtEl>
+                                          <p:spTgt spid="25"/>
+                                        </p:tgtEl>
+                                        <p:attrNameLst>
+                                          <p:attrName>style.visibility</p:attrName>
+                                        </p:attrNameLst>
+                                      </p:cBhvr>
+                                      <p:to>
+                                        <p:strVal val="visible"/>
+                                      </p:to>
+                                    </p:set>
+                                  </p:childTnLst>
+                                </p:cTn>
+                              </p:par>
+                              <p:par>
+                                <p:cTn id="33" presetID="1" presetClass="entr" presetSubtype="0" fill="hold" grpId="0" nodeType="withEffect">
+                                  <p:stCondLst>
+                                    <p:cond delay="0"/>
+                                  </p:stCondLst>
+                                  <p:childTnLst>
+                                    <p:set>
+                                      <p:cBhvr>
+                                        <p:cTn id="34" dur="1" fill="hold">
+                                          <p:stCondLst>
+                                            <p:cond delay="0"/>
+                                          </p:stCondLst>
+                                        </p:cTn>
+                                        <p:tgtEl>
+                                          <p:spTgt spid="26"/>
+                                        </p:tgtEl>
+                                        <p:attrNameLst>
+                                          <p:attrName>style.visibility</p:attrName>
+                                        </p:attrNameLst>
+                                      </p:cBhvr>
+                                      <p:to>
+                                        <p:strVal val="visible"/>
+                                      </p:to>
+                                    </p:set>
+                                  </p:childTnLst>
+                                </p:cTn>
+                              </p:par>
+                            </p:childTnLst>
+                          </p:cTn>
+                        </p:par>
+                      </p:childTnLst>
+                    </p:cTn>
+                  </p:par>
+                </p:childTnLst>
+              </p:cTn>
+              <p:prevCondLst>
+                <p:cond evt="onPrev" delay="0">
+                  <p:tgtEl>
+                    <p:sldTgt/>
+                  </p:tgtEl>
+                </p:cond>
+              </p:prevCondLst>
+              <p:nextCondLst>
+                <p:cond evt="onNext" delay="0">
+                  <p:tgtEl>
+                    <p:sldTgt/>
+                  </p:tgtEl>
+                </p:cond>
+              </p:nextCondLst>
+            </p:seq>
+          </p:childTnLst>
+        </p:cTn>
+      </p:par>
+    </p:tnLst>
+    <p:bldLst>
+      <p:bldP spid="16" grpId="0" animBg="1"/>
+      <p:bldP spid="19" grpId="0" animBg="1"/>
+      <p:bldP spid="20" grpId="0" animBg="1"/>
+      <p:bldP spid="21" grpId="0"/>
+      <p:bldP spid="21" grpId="1"/>
+      <p:bldP spid="22" grpId="0"/>
+      <p:bldP spid="22" grpId="1"/>
+      <p:bldP spid="23" grpId="0"/>
+      <p:bldP spid="23" grpId="1"/>
+      <p:bldP spid="24" grpId="0"/>
+      <p:bldP spid="25" grpId="0"/>
+      <p:bldP spid="26" grpId="0"/>
+    </p:bldLst>
+  </p:timing>
 </p:sld>
 </file>
 
@@ -3767,7 +6887,7 @@
           <a:p>
             <a:r>
               <a:rPr lang="en-US" dirty="0"/>
-              <a:t>Beam Stack Search</a:t>
+              <a:t>Beam Stack Search: Overview</a:t>
             </a:r>
           </a:p>
         </p:txBody>
@@ -3793,7 +6913,31 @@
           <a:bodyPr/>
           <a:lstStyle/>
           <a:p>
-            <a:endParaRPr lang="en-US"/>
+            <a:r>
+              <a:rPr lang="en-US" dirty="0"/>
+              <a:t>Depth-First Beam Search</a:t>
+            </a:r>
+          </a:p>
+          <a:p>
+            <a:endParaRPr lang="en-US" dirty="0"/>
+          </a:p>
+          <a:p>
+            <a:endParaRPr lang="en-US" dirty="0"/>
+          </a:p>
+          <a:p>
+            <a:r>
+              <a:rPr lang="en-US" dirty="0"/>
+              <a:t>Sacrifices memory for completeness</a:t>
+            </a:r>
+          </a:p>
+          <a:p>
+            <a:endParaRPr lang="en-US" dirty="0"/>
+          </a:p>
+          <a:p>
+            <a:endParaRPr lang="en-US" dirty="0"/>
+          </a:p>
+          <a:p>
+            <a:endParaRPr lang="en-US" dirty="0"/>
           </a:p>
         </p:txBody>
       </p:sp>
@@ -3807,6 +6951,638 @@
   <p:clrMapOvr>
     <a:masterClrMapping/>
   </p:clrMapOvr>
+</p:sld>
+</file>
+
+<file path=ppt/slides/slide7.xml><?xml version="1.0" encoding="utf-8"?>
+<p:sld xmlns:a="http://schemas.openxmlformats.org/drawingml/2006/main" xmlns:r="http://schemas.openxmlformats.org/officeDocument/2006/relationships" xmlns:p="http://schemas.openxmlformats.org/presentationml/2006/main">
+  <p:cSld>
+    <p:spTree>
+      <p:nvGrpSpPr>
+        <p:cNvPr id="1" name=""/>
+        <p:cNvGrpSpPr/>
+        <p:nvPr/>
+      </p:nvGrpSpPr>
+      <p:grpSpPr>
+        <a:xfrm>
+          <a:off x="0" y="0"/>
+          <a:ext cx="0" cy="0"/>
+          <a:chOff x="0" y="0"/>
+          <a:chExt cx="0" cy="0"/>
+        </a:xfrm>
+      </p:grpSpPr>
+      <p:sp>
+        <p:nvSpPr>
+          <p:cNvPr id="2" name="Title 1">
+            <a:extLst>
+              <a:ext uri="{FF2B5EF4-FFF2-40B4-BE49-F238E27FC236}">
+                <a16:creationId xmlns:a16="http://schemas.microsoft.com/office/drawing/2014/main" id="{73F0E311-5EE7-7EE6-FF43-F7140DFE499F}"/>
+              </a:ext>
+            </a:extLst>
+          </p:cNvPr>
+          <p:cNvSpPr>
+            <a:spLocks noGrp="1"/>
+          </p:cNvSpPr>
+          <p:nvPr>
+            <p:ph type="title"/>
+          </p:nvPr>
+        </p:nvSpPr>
+        <p:spPr/>
+        <p:txBody>
+          <a:bodyPr/>
+          <a:lstStyle/>
+          <a:p>
+            <a:r>
+              <a:rPr lang="en-US" dirty="0"/>
+              <a:t>A*</a:t>
+            </a:r>
+          </a:p>
+        </p:txBody>
+      </p:sp>
+      <p:sp>
+        <p:nvSpPr>
+          <p:cNvPr id="3" name="Content Placeholder 2">
+            <a:extLst>
+              <a:ext uri="{FF2B5EF4-FFF2-40B4-BE49-F238E27FC236}">
+                <a16:creationId xmlns:a16="http://schemas.microsoft.com/office/drawing/2014/main" id="{E858E962-1C40-87EF-2CC7-02CFC2504311}"/>
+              </a:ext>
+            </a:extLst>
+          </p:cNvPr>
+          <p:cNvSpPr>
+            <a:spLocks noGrp="1"/>
+          </p:cNvSpPr>
+          <p:nvPr>
+            <p:ph idx="1"/>
+          </p:nvPr>
+        </p:nvSpPr>
+        <p:spPr/>
+        <p:txBody>
+          <a:bodyPr/>
+          <a:lstStyle/>
+          <a:p>
+            <a:endParaRPr lang="en-US" dirty="0"/>
+          </a:p>
+        </p:txBody>
+      </p:sp>
+    </p:spTree>
+    <p:extLst>
+      <p:ext uri="{BB962C8B-B14F-4D97-AF65-F5344CB8AC3E}">
+        <p14:creationId xmlns:p14="http://schemas.microsoft.com/office/powerpoint/2010/main" val="323320306"/>
+      </p:ext>
+    </p:extLst>
+  </p:cSld>
+  <p:clrMapOvr>
+    <a:masterClrMapping/>
+  </p:clrMapOvr>
+</p:sld>
+</file>
+
+<file path=ppt/slides/slide8.xml><?xml version="1.0" encoding="utf-8"?>
+<p:sld xmlns:a="http://schemas.openxmlformats.org/drawingml/2006/main" xmlns:r="http://schemas.openxmlformats.org/officeDocument/2006/relationships" xmlns:p="http://schemas.openxmlformats.org/presentationml/2006/main">
+  <p:cSld>
+    <p:spTree>
+      <p:nvGrpSpPr>
+        <p:cNvPr id="1" name=""/>
+        <p:cNvGrpSpPr/>
+        <p:nvPr/>
+      </p:nvGrpSpPr>
+      <p:grpSpPr>
+        <a:xfrm>
+          <a:off x="0" y="0"/>
+          <a:ext cx="0" cy="0"/>
+          <a:chOff x="0" y="0"/>
+          <a:chExt cx="0" cy="0"/>
+        </a:xfrm>
+      </p:grpSpPr>
+      <p:sp>
+        <p:nvSpPr>
+          <p:cNvPr id="2" name="Title 1">
+            <a:extLst>
+              <a:ext uri="{FF2B5EF4-FFF2-40B4-BE49-F238E27FC236}">
+                <a16:creationId xmlns:a16="http://schemas.microsoft.com/office/drawing/2014/main" id="{33A45011-7885-195C-E445-0CA1B3818BF8}"/>
+              </a:ext>
+            </a:extLst>
+          </p:cNvPr>
+          <p:cNvSpPr>
+            <a:spLocks noGrp="1"/>
+          </p:cNvSpPr>
+          <p:nvPr>
+            <p:ph type="title"/>
+          </p:nvPr>
+        </p:nvSpPr>
+        <p:spPr/>
+        <p:txBody>
+          <a:bodyPr/>
+          <a:lstStyle/>
+          <a:p>
+            <a:r>
+              <a:rPr lang="en-US" dirty="0"/>
+              <a:t>Beam Stack Search Results</a:t>
+            </a:r>
+          </a:p>
+        </p:txBody>
+      </p:sp>
+      <p:sp>
+        <p:nvSpPr>
+          <p:cNvPr id="3" name="Content Placeholder 2">
+            <a:extLst>
+              <a:ext uri="{FF2B5EF4-FFF2-40B4-BE49-F238E27FC236}">
+                <a16:creationId xmlns:a16="http://schemas.microsoft.com/office/drawing/2014/main" id="{E69BA8E3-95AC-39A2-8AD0-834024BB736F}"/>
+              </a:ext>
+            </a:extLst>
+          </p:cNvPr>
+          <p:cNvSpPr>
+            <a:spLocks noGrp="1"/>
+          </p:cNvSpPr>
+          <p:nvPr>
+            <p:ph idx="1"/>
+          </p:nvPr>
+        </p:nvSpPr>
+        <p:spPr/>
+        <p:txBody>
+          <a:bodyPr/>
+          <a:lstStyle/>
+          <a:p>
+            <a:endParaRPr lang="en-US"/>
+          </a:p>
+        </p:txBody>
+      </p:sp>
+    </p:spTree>
+    <p:extLst>
+      <p:ext uri="{BB962C8B-B14F-4D97-AF65-F5344CB8AC3E}">
+        <p14:creationId xmlns:p14="http://schemas.microsoft.com/office/powerpoint/2010/main" val="4134653307"/>
+      </p:ext>
+    </p:extLst>
+  </p:cSld>
+  <p:clrMapOvr>
+    <a:masterClrMapping/>
+  </p:clrMapOvr>
+</p:sld>
+</file>
+
+<file path=ppt/slides/slide9.xml><?xml version="1.0" encoding="utf-8"?>
+<p:sld xmlns:a="http://schemas.openxmlformats.org/drawingml/2006/main" xmlns:r="http://schemas.openxmlformats.org/officeDocument/2006/relationships" xmlns:p="http://schemas.openxmlformats.org/presentationml/2006/main">
+  <p:cSld>
+    <p:spTree>
+      <p:nvGrpSpPr>
+        <p:cNvPr id="1" name=""/>
+        <p:cNvGrpSpPr/>
+        <p:nvPr/>
+      </p:nvGrpSpPr>
+      <p:grpSpPr>
+        <a:xfrm>
+          <a:off x="0" y="0"/>
+          <a:ext cx="0" cy="0"/>
+          <a:chOff x="0" y="0"/>
+          <a:chExt cx="0" cy="0"/>
+        </a:xfrm>
+      </p:grpSpPr>
+      <p:sp>
+        <p:nvSpPr>
+          <p:cNvPr id="2" name="Title 1">
+            <a:extLst>
+              <a:ext uri="{FF2B5EF4-FFF2-40B4-BE49-F238E27FC236}">
+                <a16:creationId xmlns:a16="http://schemas.microsoft.com/office/drawing/2014/main" id="{46E4D2D2-22EE-3BE2-68C6-9F7983DC9A44}"/>
+              </a:ext>
+            </a:extLst>
+          </p:cNvPr>
+          <p:cNvSpPr>
+            <a:spLocks noGrp="1"/>
+          </p:cNvSpPr>
+          <p:nvPr>
+            <p:ph type="title"/>
+          </p:nvPr>
+        </p:nvSpPr>
+        <p:spPr/>
+        <p:txBody>
+          <a:bodyPr/>
+          <a:lstStyle/>
+          <a:p>
+            <a:r>
+              <a:rPr lang="en-US" dirty="0"/>
+              <a:t>A* Search Results</a:t>
+            </a:r>
+          </a:p>
+        </p:txBody>
+      </p:sp>
+      <p:sp>
+        <p:nvSpPr>
+          <p:cNvPr id="3" name="Content Placeholder 2">
+            <a:extLst>
+              <a:ext uri="{FF2B5EF4-FFF2-40B4-BE49-F238E27FC236}">
+                <a16:creationId xmlns:a16="http://schemas.microsoft.com/office/drawing/2014/main" id="{4A4A5DB5-42AF-0635-842F-BE8E6D73B53A}"/>
+              </a:ext>
+            </a:extLst>
+          </p:cNvPr>
+          <p:cNvSpPr>
+            <a:spLocks noGrp="1"/>
+          </p:cNvSpPr>
+          <p:nvPr>
+            <p:ph idx="1"/>
+          </p:nvPr>
+        </p:nvSpPr>
+        <p:spPr/>
+        <p:txBody>
+          <a:bodyPr>
+            <a:normAutofit/>
+          </a:bodyPr>
+          <a:lstStyle/>
+          <a:p>
+            <a:r>
+              <a:rPr lang="en-US" dirty="0"/>
+              <a:t>2 different implementations</a:t>
+            </a:r>
+          </a:p>
+          <a:p>
+            <a:r>
+              <a:rPr lang="en-US" dirty="0"/>
+              <a:t>State 1</a:t>
+            </a:r>
+          </a:p>
+          <a:p>
+            <a:pPr lvl="1"/>
+            <a:r>
+              <a:rPr lang="en-US" dirty="0"/>
+              <a:t>Graph</a:t>
+            </a:r>
+          </a:p>
+          <a:p>
+            <a:pPr lvl="1"/>
+            <a:r>
+              <a:rPr lang="en-US" dirty="0"/>
+              <a:t>Path</a:t>
+            </a:r>
+          </a:p>
+          <a:p>
+            <a:pPr lvl="1"/>
+            <a:r>
+              <a:rPr lang="en-US" dirty="0"/>
+              <a:t>h-value</a:t>
+            </a:r>
+          </a:p>
+          <a:p>
+            <a:r>
+              <a:rPr lang="en-US" dirty="0"/>
+              <a:t>State 2</a:t>
+            </a:r>
+          </a:p>
+          <a:p>
+            <a:pPr lvl="1"/>
+            <a:r>
+              <a:rPr lang="en-US" dirty="0"/>
+              <a:t>Action</a:t>
+            </a:r>
+          </a:p>
+          <a:p>
+            <a:pPr lvl="1"/>
+            <a:r>
+              <a:rPr lang="en-US" dirty="0"/>
+              <a:t>Parent</a:t>
+            </a:r>
+          </a:p>
+          <a:p>
+            <a:pPr lvl="1"/>
+            <a:r>
+              <a:rPr lang="en-US" dirty="0"/>
+              <a:t>h-value</a:t>
+            </a:r>
+          </a:p>
+        </p:txBody>
+      </p:sp>
+    </p:spTree>
+    <p:extLst>
+      <p:ext uri="{BB962C8B-B14F-4D97-AF65-F5344CB8AC3E}">
+        <p14:creationId xmlns:p14="http://schemas.microsoft.com/office/powerpoint/2010/main" val="2769655449"/>
+      </p:ext>
+    </p:extLst>
+  </p:cSld>
+  <p:clrMapOvr>
+    <a:masterClrMapping/>
+  </p:clrMapOvr>
+  <p:timing>
+    <p:tnLst>
+      <p:par>
+        <p:cTn id="1" dur="indefinite" restart="never" nodeType="tmRoot">
+          <p:childTnLst>
+            <p:seq concurrent="1" nextAc="seek">
+              <p:cTn id="2" dur="indefinite" nodeType="mainSeq">
+                <p:childTnLst>
+                  <p:par>
+                    <p:cTn id="3" fill="hold">
+                      <p:stCondLst>
+                        <p:cond delay="indefinite"/>
+                      </p:stCondLst>
+                      <p:childTnLst>
+                        <p:par>
+                          <p:cTn id="4" fill="hold">
+                            <p:stCondLst>
+                              <p:cond delay="0"/>
+                            </p:stCondLst>
+                            <p:childTnLst>
+                              <p:par>
+                                <p:cTn id="5" presetID="1" presetClass="entr" presetSubtype="0" fill="hold" nodeType="clickEffect">
+                                  <p:stCondLst>
+                                    <p:cond delay="0"/>
+                                  </p:stCondLst>
+                                  <p:childTnLst>
+                                    <p:set>
+                                      <p:cBhvr>
+                                        <p:cTn id="6" dur="1" fill="hold">
+                                          <p:stCondLst>
+                                            <p:cond delay="0"/>
+                                          </p:stCondLst>
+                                        </p:cTn>
+                                        <p:tgtEl>
+                                          <p:spTgt spid="3">
+                                            <p:txEl>
+                                              <p:pRg st="2" end="2"/>
+                                            </p:txEl>
+                                          </p:spTgt>
+                                        </p:tgtEl>
+                                        <p:attrNameLst>
+                                          <p:attrName>style.visibility</p:attrName>
+                                        </p:attrNameLst>
+                                      </p:cBhvr>
+                                      <p:to>
+                                        <p:strVal val="visible"/>
+                                      </p:to>
+                                    </p:set>
+                                  </p:childTnLst>
+                                </p:cTn>
+                              </p:par>
+                            </p:childTnLst>
+                          </p:cTn>
+                        </p:par>
+                      </p:childTnLst>
+                    </p:cTn>
+                  </p:par>
+                  <p:par>
+                    <p:cTn id="7" fill="hold">
+                      <p:stCondLst>
+                        <p:cond delay="indefinite"/>
+                      </p:stCondLst>
+                      <p:childTnLst>
+                        <p:par>
+                          <p:cTn id="8" fill="hold">
+                            <p:stCondLst>
+                              <p:cond delay="0"/>
+                            </p:stCondLst>
+                            <p:childTnLst>
+                              <p:par>
+                                <p:cTn id="9" presetID="1" presetClass="entr" presetSubtype="0" fill="hold" nodeType="clickEffect">
+                                  <p:stCondLst>
+                                    <p:cond delay="0"/>
+                                  </p:stCondLst>
+                                  <p:childTnLst>
+                                    <p:set>
+                                      <p:cBhvr>
+                                        <p:cTn id="10" dur="1" fill="hold">
+                                          <p:stCondLst>
+                                            <p:cond delay="0"/>
+                                          </p:stCondLst>
+                                        </p:cTn>
+                                        <p:tgtEl>
+                                          <p:spTgt spid="3">
+                                            <p:txEl>
+                                              <p:pRg st="3" end="3"/>
+                                            </p:txEl>
+                                          </p:spTgt>
+                                        </p:tgtEl>
+                                        <p:attrNameLst>
+                                          <p:attrName>style.visibility</p:attrName>
+                                        </p:attrNameLst>
+                                      </p:cBhvr>
+                                      <p:to>
+                                        <p:strVal val="visible"/>
+                                      </p:to>
+                                    </p:set>
+                                  </p:childTnLst>
+                                </p:cTn>
+                              </p:par>
+                            </p:childTnLst>
+                          </p:cTn>
+                        </p:par>
+                      </p:childTnLst>
+                    </p:cTn>
+                  </p:par>
+                  <p:par>
+                    <p:cTn id="11" fill="hold">
+                      <p:stCondLst>
+                        <p:cond delay="indefinite"/>
+                      </p:stCondLst>
+                      <p:childTnLst>
+                        <p:par>
+                          <p:cTn id="12" fill="hold">
+                            <p:stCondLst>
+                              <p:cond delay="0"/>
+                            </p:stCondLst>
+                            <p:childTnLst>
+                              <p:par>
+                                <p:cTn id="13" presetID="1" presetClass="entr" presetSubtype="0" fill="hold" nodeType="clickEffect">
+                                  <p:stCondLst>
+                                    <p:cond delay="0"/>
+                                  </p:stCondLst>
+                                  <p:childTnLst>
+                                    <p:set>
+                                      <p:cBhvr>
+                                        <p:cTn id="14" dur="1" fill="hold">
+                                          <p:stCondLst>
+                                            <p:cond delay="0"/>
+                                          </p:stCondLst>
+                                        </p:cTn>
+                                        <p:tgtEl>
+                                          <p:spTgt spid="3">
+                                            <p:txEl>
+                                              <p:pRg st="4" end="4"/>
+                                            </p:txEl>
+                                          </p:spTgt>
+                                        </p:tgtEl>
+                                        <p:attrNameLst>
+                                          <p:attrName>style.visibility</p:attrName>
+                                        </p:attrNameLst>
+                                      </p:cBhvr>
+                                      <p:to>
+                                        <p:strVal val="visible"/>
+                                      </p:to>
+                                    </p:set>
+                                  </p:childTnLst>
+                                </p:cTn>
+                              </p:par>
+                            </p:childTnLst>
+                          </p:cTn>
+                        </p:par>
+                      </p:childTnLst>
+                    </p:cTn>
+                  </p:par>
+                  <p:par>
+                    <p:cTn id="15" fill="hold">
+                      <p:stCondLst>
+                        <p:cond delay="indefinite"/>
+                      </p:stCondLst>
+                      <p:childTnLst>
+                        <p:par>
+                          <p:cTn id="16" fill="hold">
+                            <p:stCondLst>
+                              <p:cond delay="0"/>
+                            </p:stCondLst>
+                            <p:childTnLst>
+                              <p:par>
+                                <p:cTn id="17" presetID="1" presetClass="entr" presetSubtype="0" fill="hold" nodeType="clickEffect">
+                                  <p:stCondLst>
+                                    <p:cond delay="0"/>
+                                  </p:stCondLst>
+                                  <p:childTnLst>
+                                    <p:set>
+                                      <p:cBhvr>
+                                        <p:cTn id="18" dur="1" fill="hold">
+                                          <p:stCondLst>
+                                            <p:cond delay="0"/>
+                                          </p:stCondLst>
+                                        </p:cTn>
+                                        <p:tgtEl>
+                                          <p:spTgt spid="3">
+                                            <p:txEl>
+                                              <p:pRg st="6" end="6"/>
+                                            </p:txEl>
+                                          </p:spTgt>
+                                        </p:tgtEl>
+                                        <p:attrNameLst>
+                                          <p:attrName>style.visibility</p:attrName>
+                                        </p:attrNameLst>
+                                      </p:cBhvr>
+                                      <p:to>
+                                        <p:strVal val="visible"/>
+                                      </p:to>
+                                    </p:set>
+                                  </p:childTnLst>
+                                </p:cTn>
+                              </p:par>
+                            </p:childTnLst>
+                          </p:cTn>
+                        </p:par>
+                      </p:childTnLst>
+                    </p:cTn>
+                  </p:par>
+                  <p:par>
+                    <p:cTn id="19" fill="hold">
+                      <p:stCondLst>
+                        <p:cond delay="indefinite"/>
+                      </p:stCondLst>
+                      <p:childTnLst>
+                        <p:par>
+                          <p:cTn id="20" fill="hold">
+                            <p:stCondLst>
+                              <p:cond delay="0"/>
+                            </p:stCondLst>
+                            <p:childTnLst>
+                              <p:par>
+                                <p:cTn id="21" presetID="1" presetClass="entr" presetSubtype="0" fill="hold" nodeType="clickEffect">
+                                  <p:stCondLst>
+                                    <p:cond delay="0"/>
+                                  </p:stCondLst>
+                                  <p:childTnLst>
+                                    <p:set>
+                                      <p:cBhvr>
+                                        <p:cTn id="22" dur="1" fill="hold">
+                                          <p:stCondLst>
+                                            <p:cond delay="0"/>
+                                          </p:stCondLst>
+                                        </p:cTn>
+                                        <p:tgtEl>
+                                          <p:spTgt spid="3">
+                                            <p:txEl>
+                                              <p:pRg st="7" end="7"/>
+                                            </p:txEl>
+                                          </p:spTgt>
+                                        </p:tgtEl>
+                                        <p:attrNameLst>
+                                          <p:attrName>style.visibility</p:attrName>
+                                        </p:attrNameLst>
+                                      </p:cBhvr>
+                                      <p:to>
+                                        <p:strVal val="visible"/>
+                                      </p:to>
+                                    </p:set>
+                                  </p:childTnLst>
+                                </p:cTn>
+                              </p:par>
+                            </p:childTnLst>
+                          </p:cTn>
+                        </p:par>
+                      </p:childTnLst>
+                    </p:cTn>
+                  </p:par>
+                  <p:par>
+                    <p:cTn id="23" fill="hold">
+                      <p:stCondLst>
+                        <p:cond delay="indefinite"/>
+                      </p:stCondLst>
+                      <p:childTnLst>
+                        <p:par>
+                          <p:cTn id="24" fill="hold">
+                            <p:stCondLst>
+                              <p:cond delay="0"/>
+                            </p:stCondLst>
+                            <p:childTnLst>
+                              <p:par>
+                                <p:cTn id="25" presetID="1" presetClass="entr" presetSubtype="0" fill="hold" nodeType="clickEffect">
+                                  <p:stCondLst>
+                                    <p:cond delay="0"/>
+                                  </p:stCondLst>
+                                  <p:childTnLst>
+                                    <p:set>
+                                      <p:cBhvr>
+                                        <p:cTn id="26" dur="1" fill="hold">
+                                          <p:stCondLst>
+                                            <p:cond delay="0"/>
+                                          </p:stCondLst>
+                                        </p:cTn>
+                                        <p:tgtEl>
+                                          <p:spTgt spid="3">
+                                            <p:txEl>
+                                              <p:pRg st="8" end="8"/>
+                                            </p:txEl>
+                                          </p:spTgt>
+                                        </p:tgtEl>
+                                        <p:attrNameLst>
+                                          <p:attrName>style.visibility</p:attrName>
+                                        </p:attrNameLst>
+                                      </p:cBhvr>
+                                      <p:to>
+                                        <p:strVal val="visible"/>
+                                      </p:to>
+                                    </p:set>
+                                  </p:childTnLst>
+                                </p:cTn>
+                              </p:par>
+                            </p:childTnLst>
+                          </p:cTn>
+                        </p:par>
+                      </p:childTnLst>
+                    </p:cTn>
+                  </p:par>
+                </p:childTnLst>
+              </p:cTn>
+              <p:prevCondLst>
+                <p:cond evt="onPrev" delay="0">
+                  <p:tgtEl>
+                    <p:sldTgt/>
+                  </p:tgtEl>
+                </p:cond>
+              </p:prevCondLst>
+              <p:nextCondLst>
+                <p:cond evt="onNext" delay="0">
+                  <p:tgtEl>
+                    <p:sldTgt/>
+                  </p:tgtEl>
+                </p:cond>
+              </p:nextCondLst>
+            </p:seq>
+          </p:childTnLst>
+        </p:cTn>
+      </p:par>
+    </p:tnLst>
+  </p:timing>
 </p:sld>
 </file>
 
